--- a/GDB1_Production1920_ChaffreMathieu/Livrable/Documents/GDB1_Production1920_GDC_ChaffreMathieu.pptx
+++ b/GDB1_Production1920_ChaffreMathieu/Livrable/Documents/GDB1_Production1920_GDC_ChaffreMathieu.pptx
@@ -16,17 +16,16 @@
     <p:sldId id="264" r:id="rId10"/>
     <p:sldId id="269" r:id="rId11"/>
     <p:sldId id="266" r:id="rId12"/>
-    <p:sldId id="267" r:id="rId13"/>
-    <p:sldId id="265" r:id="rId14"/>
-    <p:sldId id="270" r:id="rId15"/>
-    <p:sldId id="271" r:id="rId16"/>
-    <p:sldId id="272" r:id="rId17"/>
-    <p:sldId id="273" r:id="rId18"/>
-    <p:sldId id="274" r:id="rId19"/>
-    <p:sldId id="275" r:id="rId20"/>
-    <p:sldId id="276" r:id="rId21"/>
-    <p:sldId id="277" r:id="rId22"/>
-    <p:sldId id="279" r:id="rId23"/>
+    <p:sldId id="265" r:id="rId13"/>
+    <p:sldId id="270" r:id="rId14"/>
+    <p:sldId id="271" r:id="rId15"/>
+    <p:sldId id="272" r:id="rId16"/>
+    <p:sldId id="273" r:id="rId17"/>
+    <p:sldId id="274" r:id="rId18"/>
+    <p:sldId id="275" r:id="rId19"/>
+    <p:sldId id="276" r:id="rId20"/>
+    <p:sldId id="277" r:id="rId21"/>
+    <p:sldId id="279" r:id="rId22"/>
   </p:sldIdLst>
   <p:sldSz cx="12192000" cy="6858000"/>
   <p:notesSz cx="6858000" cy="9144000"/>
@@ -4720,7 +4719,7 @@
         </p:nvSpPr>
         <p:spPr>
           <a:xfrm>
-            <a:off x="0" y="222416"/>
+            <a:off x="0" y="642541"/>
             <a:ext cx="12192000" cy="923330"/>
           </a:xfrm>
           <a:prstGeom prst="rect">
@@ -4748,17 +4747,185 @@
                   </a:outerShdw>
                 </a:effectLst>
               </a:rPr>
-              <a:t>Persona</a:t>
+              <a:t>3C</a:t>
+            </a:r>
+          </a:p>
+        </p:txBody>
+      </p:sp>
+      <p:sp>
+        <p:nvSpPr>
+          <p:cNvPr id="10" name="ZoneTexte 9">
+            <a:extLst>
+              <a:ext uri="{FF2B5EF4-FFF2-40B4-BE49-F238E27FC236}">
+                <a16:creationId xmlns:a16="http://schemas.microsoft.com/office/drawing/2014/main" id="{FC1AD9EF-BDA5-480F-87C0-2B77A1F687ED}"/>
+              </a:ext>
+            </a:extLst>
+          </p:cNvPr>
+          <p:cNvSpPr txBox="1"/>
+          <p:nvPr>
+            <p:custDataLst>
+              <p:tags r:id="rId2"/>
+            </p:custDataLst>
+          </p:nvPr>
+        </p:nvSpPr>
+        <p:spPr>
+          <a:xfrm>
+            <a:off x="0" y="2104302"/>
+            <a:ext cx="12192000" cy="584775"/>
+          </a:xfrm>
+          <a:prstGeom prst="rect">
+            <a:avLst/>
+          </a:prstGeom>
+          <a:noFill/>
+        </p:spPr>
+        <p:txBody>
+          <a:bodyPr wrap="square" rtlCol="0">
+            <a:spAutoFit/>
+          </a:bodyPr>
+          <a:lstStyle/>
+          <a:p>
+            <a:pPr algn="ctr"/>
+            <a:r>
+              <a:rPr lang="fr-FR" sz="3200" dirty="0">
+                <a:solidFill>
+                  <a:srgbClr val="D86E6E"/>
+                </a:solidFill>
+                <a:effectLst>
+                  <a:outerShdw blurRad="38100" dist="38100" dir="2700000" algn="tl">
+                    <a:srgbClr val="000000">
+                      <a:alpha val="43137"/>
+                    </a:srgbClr>
+                  </a:outerShdw>
+                </a:effectLst>
+                <a:latin typeface="Berlin Sans FB" panose="020E0602020502020306" pitchFamily="34" charset="0"/>
+              </a:rPr>
+              <a:t>Camera</a:t>
+            </a:r>
+          </a:p>
+        </p:txBody>
+      </p:sp>
+      <p:sp>
+        <p:nvSpPr>
+          <p:cNvPr id="14" name="ZoneTexte 13">
+            <a:extLst>
+              <a:ext uri="{FF2B5EF4-FFF2-40B4-BE49-F238E27FC236}">
+                <a16:creationId xmlns:a16="http://schemas.microsoft.com/office/drawing/2014/main" id="{7BD281A3-5CA5-4882-832F-C757DE270205}"/>
+              </a:ext>
+            </a:extLst>
+          </p:cNvPr>
+          <p:cNvSpPr txBox="1"/>
+          <p:nvPr>
+            <p:custDataLst>
+              <p:tags r:id="rId3"/>
+            </p:custDataLst>
+          </p:nvPr>
+        </p:nvSpPr>
+        <p:spPr>
+          <a:xfrm>
+            <a:off x="1235676" y="3429000"/>
+            <a:ext cx="9720648" cy="2031325"/>
+          </a:xfrm>
+          <a:prstGeom prst="rect">
+            <a:avLst/>
+          </a:prstGeom>
+          <a:noFill/>
+        </p:spPr>
+        <p:txBody>
+          <a:bodyPr wrap="square" rtlCol="0">
+            <a:spAutoFit/>
+          </a:bodyPr>
+          <a:lstStyle/>
+          <a:p>
+            <a:pPr algn="ctr"/>
+            <a:r>
+              <a:rPr lang="fr-FR" dirty="0">
+                <a:latin typeface="Berlin Sans FB" panose="020E0602020502020306" pitchFamily="34" charset="0"/>
+              </a:rPr>
+              <a:t>Le jeu possède une caméra fixe et est donc en vue en troisième personne/</a:t>
+            </a:r>
+            <a:r>
+              <a:rPr lang="fr-FR" dirty="0" err="1">
+                <a:latin typeface="Berlin Sans FB" panose="020E0602020502020306" pitchFamily="34" charset="0"/>
+              </a:rPr>
+              <a:t>God</a:t>
+            </a:r>
+            <a:r>
+              <a:rPr lang="fr-FR" dirty="0">
+                <a:latin typeface="Berlin Sans FB" panose="020E0602020502020306" pitchFamily="34" charset="0"/>
+              </a:rPr>
+              <a:t> </a:t>
+            </a:r>
+            <a:r>
+              <a:rPr lang="fr-FR" dirty="0" err="1">
+                <a:latin typeface="Berlin Sans FB" panose="020E0602020502020306" pitchFamily="34" charset="0"/>
+              </a:rPr>
+              <a:t>view</a:t>
+            </a:r>
+            <a:r>
+              <a:rPr lang="fr-FR" dirty="0">
+                <a:latin typeface="Berlin Sans FB" panose="020E0602020502020306" pitchFamily="34" charset="0"/>
+              </a:rPr>
+              <a:t> dans un style de jeu 2d.</a:t>
+            </a:r>
+          </a:p>
+          <a:p>
+            <a:pPr algn="ctr"/>
+            <a:endParaRPr lang="fr-FR" dirty="0">
+              <a:latin typeface="Berlin Sans FB" panose="020E0602020502020306" pitchFamily="34" charset="0"/>
+            </a:endParaRPr>
+          </a:p>
+          <a:p>
+            <a:r>
+              <a:rPr lang="fr-FR" dirty="0">
+                <a:latin typeface="Berlin Sans FB" panose="020E0602020502020306" pitchFamily="34" charset="0"/>
+              </a:rPr>
+              <a:t>Les caméras permettent de :</a:t>
+            </a:r>
+          </a:p>
+          <a:p>
+            <a:pPr marL="285750" indent="-285750">
+              <a:buFont typeface="Arial" panose="020B0604020202020204" pitchFamily="34" charset="0"/>
+              <a:buChar char="•"/>
+            </a:pPr>
+            <a:r>
+              <a:rPr lang="fr-FR" dirty="0">
+                <a:latin typeface="Berlin Sans FB" panose="020E0602020502020306" pitchFamily="34" charset="0"/>
+              </a:rPr>
+              <a:t> justifier la direction artistique du projet.</a:t>
+            </a:r>
+          </a:p>
+          <a:p>
+            <a:pPr marL="285750" indent="-285750">
+              <a:buFont typeface="Arial" panose="020B0604020202020204" pitchFamily="34" charset="0"/>
+              <a:buChar char="•"/>
+            </a:pPr>
+            <a:r>
+              <a:rPr lang="fr-FR" dirty="0">
+                <a:latin typeface="Berlin Sans FB" panose="020E0602020502020306" pitchFamily="34" charset="0"/>
+              </a:rPr>
+              <a:t> justifier le gameplay, les mécaniques de mon jeu</a:t>
+            </a:r>
+          </a:p>
+          <a:p>
+            <a:pPr marL="285750" indent="-285750">
+              <a:buFont typeface="Arial" panose="020B0604020202020204" pitchFamily="34" charset="0"/>
+              <a:buChar char="•"/>
+            </a:pPr>
+            <a:r>
+              <a:rPr lang="fr-FR" dirty="0">
+                <a:latin typeface="Berlin Sans FB" panose="020E0602020502020306" pitchFamily="34" charset="0"/>
+              </a:rPr>
+              <a:t>accorder une plus grande interaction entre le joueur et l’environnement</a:t>
             </a:r>
           </a:p>
         </p:txBody>
       </p:sp>
       <p:pic>
         <p:nvPicPr>
-          <p:cNvPr id="4" name="Image 3">
-            <a:extLst>
-              <a:ext uri="{FF2B5EF4-FFF2-40B4-BE49-F238E27FC236}">
-                <a16:creationId xmlns:a16="http://schemas.microsoft.com/office/drawing/2014/main" id="{16428FFB-D4B6-451D-B8A9-8EE0E1166B6C}"/>
+          <p:cNvPr id="18" name="Image 17">
+            <a:extLst>
+              <a:ext uri="{FF2B5EF4-FFF2-40B4-BE49-F238E27FC236}">
+                <a16:creationId xmlns:a16="http://schemas.microsoft.com/office/drawing/2014/main" id="{63BCF466-700B-4A9E-8AE4-98A3D18027D3}"/>
               </a:ext>
             </a:extLst>
           </p:cNvPr>
@@ -4767,12 +4934,12 @@
           </p:cNvPicPr>
           <p:nvPr>
             <p:custDataLst>
-              <p:tags r:id="rId2"/>
+              <p:tags r:id="rId4"/>
             </p:custDataLst>
           </p:nvPr>
         </p:nvPicPr>
         <p:blipFill>
-          <a:blip r:embed="rId4">
+          <a:blip r:embed="rId7" cstate="hqprint">
             <a:extLst>
               <a:ext uri="{28A0092B-C50C-407E-A947-70E740481C1C}">
                 <a14:useLocalDpi xmlns:a14="http://schemas.microsoft.com/office/drawing/2010/main" val="0"/>
@@ -4785,20 +4952,81 @@
         </p:blipFill>
         <p:spPr>
           <a:xfrm>
-            <a:off x="2969483" y="1519495"/>
-            <a:ext cx="6253034" cy="4689776"/>
+            <a:off x="716692" y="987925"/>
+            <a:ext cx="2553730" cy="1403908"/>
           </a:xfrm>
           <a:prstGeom prst="rect">
             <a:avLst/>
           </a:prstGeom>
         </p:spPr>
       </p:pic>
+      <p:sp>
+        <p:nvSpPr>
+          <p:cNvPr id="19" name="ZoneTexte 18">
+            <a:extLst>
+              <a:ext uri="{FF2B5EF4-FFF2-40B4-BE49-F238E27FC236}">
+                <a16:creationId xmlns:a16="http://schemas.microsoft.com/office/drawing/2014/main" id="{A534963E-7179-4301-A823-A29A1C646180}"/>
+              </a:ext>
+            </a:extLst>
+          </p:cNvPr>
+          <p:cNvSpPr txBox="1"/>
+          <p:nvPr>
+            <p:custDataLst>
+              <p:tags r:id="rId5"/>
+            </p:custDataLst>
+          </p:nvPr>
+        </p:nvSpPr>
+        <p:spPr>
+          <a:xfrm>
+            <a:off x="716693" y="2641258"/>
+            <a:ext cx="2553730" cy="461665"/>
+          </a:xfrm>
+          <a:prstGeom prst="rect">
+            <a:avLst/>
+          </a:prstGeom>
+          <a:noFill/>
+        </p:spPr>
+        <p:txBody>
+          <a:bodyPr wrap="square" rtlCol="0">
+            <a:spAutoFit/>
+          </a:bodyPr>
+          <a:lstStyle/>
+          <a:p>
+            <a:pPr algn="ctr"/>
+            <a:r>
+              <a:rPr lang="fr-FR" sz="1200" i="1" dirty="0"/>
+              <a:t>Maquette/ illustration in-</a:t>
+            </a:r>
+            <a:r>
+              <a:rPr lang="fr-FR" sz="1200" i="1" dirty="0" err="1"/>
+              <a:t>game</a:t>
+            </a:r>
+            <a:r>
+              <a:rPr lang="fr-FR" sz="1200" i="1" dirty="0"/>
+              <a:t> représentation de la vue </a:t>
+            </a:r>
+            <a:r>
+              <a:rPr lang="fr-FR" sz="1200" i="1" dirty="0" err="1"/>
+              <a:t>god</a:t>
+            </a:r>
+            <a:r>
+              <a:rPr lang="fr-FR" sz="1200" i="1" dirty="0"/>
+              <a:t> </a:t>
+            </a:r>
+            <a:r>
+              <a:rPr lang="fr-FR" sz="1200" i="1" dirty="0" err="1"/>
+              <a:t>view</a:t>
+            </a:r>
+            <a:endParaRPr lang="fr-FR" sz="1200" i="1" dirty="0"/>
+          </a:p>
+        </p:txBody>
+      </p:sp>
       <p:pic>
         <p:nvPicPr>
-          <p:cNvPr id="5" name="Image 4">
-            <a:extLst>
-              <a:ext uri="{FF2B5EF4-FFF2-40B4-BE49-F238E27FC236}">
-                <a16:creationId xmlns:a16="http://schemas.microsoft.com/office/drawing/2014/main" id="{DE14AB84-5C55-4B5D-AEAE-D71ACC265651}"/>
+          <p:cNvPr id="7" name="Image 6">
+            <a:extLst>
+              <a:ext uri="{FF2B5EF4-FFF2-40B4-BE49-F238E27FC236}">
+                <a16:creationId xmlns:a16="http://schemas.microsoft.com/office/drawing/2014/main" id="{431C7AF4-FC8F-4CAF-BB0E-30549C6663FA}"/>
               </a:ext>
             </a:extLst>
           </p:cNvPr>
@@ -4808,7 +5036,7 @@
           <p:nvPr/>
         </p:nvPicPr>
         <p:blipFill>
-          <a:blip r:embed="rId5">
+          <a:blip r:embed="rId8">
             <a:extLst>
               <a:ext uri="{28A0092B-C50C-407E-A947-70E740481C1C}">
                 <a14:useLocalDpi xmlns:a14="http://schemas.microsoft.com/office/drawing/2010/main" val="0"/>
@@ -4832,7 +5060,7 @@
     </p:spTree>
     <p:extLst>
       <p:ext uri="{BB962C8B-B14F-4D97-AF65-F5344CB8AC3E}">
-        <p14:creationId xmlns:p14="http://schemas.microsoft.com/office/powerpoint/2010/main" val="1010149268"/>
+        <p14:creationId xmlns:p14="http://schemas.microsoft.com/office/powerpoint/2010/main" val="2714538783"/>
       </p:ext>
     </p:extLst>
   </p:cSld>
@@ -4952,9 +5180,9 @@
           <a:p>
             <a:pPr algn="ctr"/>
             <a:r>
-              <a:rPr lang="fr-FR" sz="3200" dirty="0">
-                <a:solidFill>
-                  <a:srgbClr val="D86E6E"/>
+              <a:rPr lang="fr-FR" sz="3200" dirty="0" err="1">
+                <a:solidFill>
+                  <a:srgbClr val="92D050"/>
                 </a:solidFill>
                 <a:effectLst>
                   <a:outerShdw blurRad="38100" dist="38100" dir="2700000" algn="tl">
@@ -4965,8 +5193,21 @@
                 </a:effectLst>
                 <a:latin typeface="Berlin Sans FB" panose="020E0602020502020306" pitchFamily="34" charset="0"/>
               </a:rPr>
-              <a:t>Camera</a:t>
-            </a:r>
+              <a:t>Character</a:t>
+            </a:r>
+            <a:endParaRPr lang="fr-FR" sz="3200" dirty="0">
+              <a:solidFill>
+                <a:srgbClr val="92D050"/>
+              </a:solidFill>
+              <a:effectLst>
+                <a:outerShdw blurRad="38100" dist="38100" dir="2700000" algn="tl">
+                  <a:srgbClr val="000000">
+                    <a:alpha val="43137"/>
+                  </a:srgbClr>
+                </a:outerShdw>
+              </a:effectLst>
+              <a:latin typeface="Berlin Sans FB" panose="020E0602020502020306" pitchFamily="34" charset="0"/>
+            </a:endParaRPr>
           </a:p>
         </p:txBody>
       </p:sp>
@@ -4989,7 +5230,7 @@
         <p:spPr>
           <a:xfrm>
             <a:off x="1235676" y="3429000"/>
-            <a:ext cx="9720648" cy="2031325"/>
+            <a:ext cx="9720648" cy="2862322"/>
           </a:xfrm>
           <a:prstGeom prst="rect">
             <a:avLst/>
@@ -5007,31 +5248,16 @@
               <a:rPr lang="fr-FR" dirty="0">
                 <a:latin typeface="Berlin Sans FB" panose="020E0602020502020306" pitchFamily="34" charset="0"/>
               </a:rPr>
-              <a:t>Le jeu possède une caméra fixe et est donc en vue en troisième personne/</a:t>
-            </a:r>
-            <a:r>
-              <a:rPr lang="fr-FR" dirty="0" err="1">
-                <a:latin typeface="Berlin Sans FB" panose="020E0602020502020306" pitchFamily="34" charset="0"/>
-              </a:rPr>
-              <a:t>God</a:t>
-            </a:r>
+              <a:t>Mon personnage est un humanoïde aux capacités humaines.</a:t>
+            </a:r>
+          </a:p>
+          <a:p>
+            <a:pPr algn="ctr"/>
             <a:r>
               <a:rPr lang="fr-FR" dirty="0">
                 <a:latin typeface="Berlin Sans FB" panose="020E0602020502020306" pitchFamily="34" charset="0"/>
               </a:rPr>
-              <a:t> </a:t>
-            </a:r>
-            <a:r>
-              <a:rPr lang="fr-FR" dirty="0" err="1">
-                <a:latin typeface="Berlin Sans FB" panose="020E0602020502020306" pitchFamily="34" charset="0"/>
-              </a:rPr>
-              <a:t>view</a:t>
-            </a:r>
-            <a:r>
-              <a:rPr lang="fr-FR" dirty="0">
-                <a:latin typeface="Berlin Sans FB" panose="020E0602020502020306" pitchFamily="34" charset="0"/>
-              </a:rPr>
-              <a:t> dans un style de jeu 2d.</a:t>
+              <a:t>Il représente un dragueur invétéré.</a:t>
             </a:r>
           </a:p>
           <a:p>
@@ -5041,57 +5267,52 @@
             </a:endParaRPr>
           </a:p>
           <a:p>
+            <a:pPr algn="ctr"/>
             <a:r>
               <a:rPr lang="fr-FR" dirty="0">
                 <a:latin typeface="Berlin Sans FB" panose="020E0602020502020306" pitchFamily="34" charset="0"/>
               </a:rPr>
-              <a:t>Les caméras permettent de :</a:t>
-            </a:r>
-          </a:p>
-          <a:p>
-            <a:pPr marL="285750" indent="-285750">
-              <a:buFont typeface="Arial" panose="020B0604020202020204" pitchFamily="34" charset="0"/>
-              <a:buChar char="•"/>
-            </a:pPr>
+              <a:t>Chaque joueur pourra personnaliser le personnage.</a:t>
+            </a:r>
+          </a:p>
+          <a:p>
+            <a:pPr algn="ctr"/>
+            <a:endParaRPr lang="fr-FR" dirty="0">
+              <a:latin typeface="Berlin Sans FB" panose="020E0602020502020306" pitchFamily="34" charset="0"/>
+            </a:endParaRPr>
+          </a:p>
+          <a:p>
+            <a:pPr algn="ctr"/>
             <a:r>
               <a:rPr lang="fr-FR" dirty="0">
                 <a:latin typeface="Berlin Sans FB" panose="020E0602020502020306" pitchFamily="34" charset="0"/>
               </a:rPr>
-              <a:t> justifier la direction artistique du projet.</a:t>
-            </a:r>
-          </a:p>
-          <a:p>
-            <a:pPr marL="285750" indent="-285750">
-              <a:buFont typeface="Arial" panose="020B0604020202020204" pitchFamily="34" charset="0"/>
-              <a:buChar char="•"/>
-            </a:pPr>
+              <a:t>Ce dragueur offre au joueur un sentiment d’appropriation, d’immersion, et favorise une certaine empathie du dragueur par le joueur.</a:t>
+            </a:r>
+          </a:p>
+          <a:p>
+            <a:pPr algn="ctr"/>
+            <a:endParaRPr lang="fr-FR" dirty="0">
+              <a:latin typeface="Berlin Sans FB" panose="020E0602020502020306" pitchFamily="34" charset="0"/>
+            </a:endParaRPr>
+          </a:p>
+          <a:p>
+            <a:pPr algn="ctr"/>
             <a:r>
               <a:rPr lang="fr-FR" dirty="0">
                 <a:latin typeface="Berlin Sans FB" panose="020E0602020502020306" pitchFamily="34" charset="0"/>
               </a:rPr>
-              <a:t> justifier le gameplay, les mécaniques de mon jeu</a:t>
-            </a:r>
-          </a:p>
-          <a:p>
-            <a:pPr marL="285750" indent="-285750">
-              <a:buFont typeface="Arial" panose="020B0604020202020204" pitchFamily="34" charset="0"/>
-              <a:buChar char="•"/>
-            </a:pPr>
-            <a:r>
-              <a:rPr lang="fr-FR" dirty="0">
-                <a:latin typeface="Berlin Sans FB" panose="020E0602020502020306" pitchFamily="34" charset="0"/>
-              </a:rPr>
-              <a:t>accorder une plus grande interaction entre le joueur et l’environnement</a:t>
+              <a:t>Cependant, le joueur se retrouve dans une position extérieure au personnage et incarnera son dieu, son ange gardien.</a:t>
             </a:r>
           </a:p>
         </p:txBody>
       </p:sp>
       <p:pic>
         <p:nvPicPr>
-          <p:cNvPr id="18" name="Image 17">
-            <a:extLst>
-              <a:ext uri="{FF2B5EF4-FFF2-40B4-BE49-F238E27FC236}">
-                <a16:creationId xmlns:a16="http://schemas.microsoft.com/office/drawing/2014/main" id="{63BCF466-700B-4A9E-8AE4-98A3D18027D3}"/>
+          <p:cNvPr id="4" name="Image 3">
+            <a:extLst>
+              <a:ext uri="{FF2B5EF4-FFF2-40B4-BE49-F238E27FC236}">
+                <a16:creationId xmlns:a16="http://schemas.microsoft.com/office/drawing/2014/main" id="{85DFC860-A9FD-4E82-ABB1-6BB2883E85B2}"/>
               </a:ext>
             </a:extLst>
           </p:cNvPr>
@@ -5105,7 +5326,7 @@
           </p:nvPr>
         </p:nvPicPr>
         <p:blipFill>
-          <a:blip r:embed="rId7" cstate="hqprint">
+          <a:blip r:embed="rId7">
             <a:extLst>
               <a:ext uri="{28A0092B-C50C-407E-A947-70E740481C1C}">
                 <a14:useLocalDpi xmlns:a14="http://schemas.microsoft.com/office/drawing/2010/main" val="0"/>
@@ -5118,81 +5339,60 @@
         </p:blipFill>
         <p:spPr>
           <a:xfrm>
-            <a:off x="716692" y="987925"/>
-            <a:ext cx="2553730" cy="1403908"/>
+            <a:off x="-1254052" y="27741"/>
+            <a:ext cx="5468906" cy="3076260"/>
           </a:xfrm>
           <a:prstGeom prst="rect">
             <a:avLst/>
           </a:prstGeom>
         </p:spPr>
       </p:pic>
-      <p:sp>
-        <p:nvSpPr>
-          <p:cNvPr id="19" name="ZoneTexte 18">
-            <a:extLst>
-              <a:ext uri="{FF2B5EF4-FFF2-40B4-BE49-F238E27FC236}">
-                <a16:creationId xmlns:a16="http://schemas.microsoft.com/office/drawing/2014/main" id="{A534963E-7179-4301-A823-A29A1C646180}"/>
-              </a:ext>
-            </a:extLst>
-          </p:cNvPr>
-          <p:cNvSpPr txBox="1"/>
+      <p:pic>
+        <p:nvPicPr>
+          <p:cNvPr id="6" name="Image 5">
+            <a:extLst>
+              <a:ext uri="{FF2B5EF4-FFF2-40B4-BE49-F238E27FC236}">
+                <a16:creationId xmlns:a16="http://schemas.microsoft.com/office/drawing/2014/main" id="{82958DE0-DCF5-4B98-87D8-8DFE028A1CA1}"/>
+              </a:ext>
+            </a:extLst>
+          </p:cNvPr>
+          <p:cNvPicPr>
+            <a:picLocks noChangeAspect="1"/>
+          </p:cNvPicPr>
           <p:nvPr>
             <p:custDataLst>
               <p:tags r:id="rId5"/>
             </p:custDataLst>
           </p:nvPr>
-        </p:nvSpPr>
+        </p:nvPicPr>
+        <p:blipFill>
+          <a:blip r:embed="rId8">
+            <a:extLst>
+              <a:ext uri="{28A0092B-C50C-407E-A947-70E740481C1C}">
+                <a14:useLocalDpi xmlns:a14="http://schemas.microsoft.com/office/drawing/2010/main" val="0"/>
+              </a:ext>
+            </a:extLst>
+          </a:blip>
+          <a:stretch>
+            <a:fillRect/>
+          </a:stretch>
+        </p:blipFill>
         <p:spPr>
           <a:xfrm>
-            <a:off x="716693" y="2641258"/>
-            <a:ext cx="2553730" cy="461665"/>
+            <a:off x="7857803" y="1015480"/>
+            <a:ext cx="5468907" cy="3076260"/>
           </a:xfrm>
           <a:prstGeom prst="rect">
             <a:avLst/>
           </a:prstGeom>
-          <a:noFill/>
-        </p:spPr>
-        <p:txBody>
-          <a:bodyPr wrap="square" rtlCol="0">
-            <a:spAutoFit/>
-          </a:bodyPr>
-          <a:lstStyle/>
-          <a:p>
-            <a:pPr algn="ctr"/>
-            <a:r>
-              <a:rPr lang="fr-FR" sz="1200" i="1" dirty="0"/>
-              <a:t>Maquette/ illustration in-</a:t>
-            </a:r>
-            <a:r>
-              <a:rPr lang="fr-FR" sz="1200" i="1" dirty="0" err="1"/>
-              <a:t>game</a:t>
-            </a:r>
-            <a:r>
-              <a:rPr lang="fr-FR" sz="1200" i="1" dirty="0"/>
-              <a:t> représentation de la vue </a:t>
-            </a:r>
-            <a:r>
-              <a:rPr lang="fr-FR" sz="1200" i="1" dirty="0" err="1"/>
-              <a:t>god</a:t>
-            </a:r>
-            <a:r>
-              <a:rPr lang="fr-FR" sz="1200" i="1" dirty="0"/>
-              <a:t> </a:t>
-            </a:r>
-            <a:r>
-              <a:rPr lang="fr-FR" sz="1200" i="1" dirty="0" err="1"/>
-              <a:t>view</a:t>
-            </a:r>
-            <a:endParaRPr lang="fr-FR" sz="1200" i="1" dirty="0"/>
-          </a:p>
-        </p:txBody>
-      </p:sp>
+        </p:spPr>
+      </p:pic>
       <p:pic>
         <p:nvPicPr>
           <p:cNvPr id="7" name="Image 6">
             <a:extLst>
               <a:ext uri="{FF2B5EF4-FFF2-40B4-BE49-F238E27FC236}">
-                <a16:creationId xmlns:a16="http://schemas.microsoft.com/office/drawing/2014/main" id="{431C7AF4-FC8F-4CAF-BB0E-30549C6663FA}"/>
+                <a16:creationId xmlns:a16="http://schemas.microsoft.com/office/drawing/2014/main" id="{C0FC0B6F-0151-4498-9021-03267B3FDF28}"/>
               </a:ext>
             </a:extLst>
           </p:cNvPr>
@@ -5202,7 +5402,7 @@
           <p:nvPr/>
         </p:nvPicPr>
         <p:blipFill>
-          <a:blip r:embed="rId8">
+          <a:blip r:embed="rId9">
             <a:extLst>
               <a:ext uri="{28A0092B-C50C-407E-A947-70E740481C1C}">
                 <a14:useLocalDpi xmlns:a14="http://schemas.microsoft.com/office/drawing/2010/main" val="0"/>
@@ -5226,7 +5426,7 @@
     </p:spTree>
     <p:extLst>
       <p:ext uri="{BB962C8B-B14F-4D97-AF65-F5344CB8AC3E}">
-        <p14:creationId xmlns:p14="http://schemas.microsoft.com/office/powerpoint/2010/main" val="2714538783"/>
+        <p14:creationId xmlns:p14="http://schemas.microsoft.com/office/powerpoint/2010/main" val="1947752463"/>
       </p:ext>
     </p:extLst>
   </p:cSld>
@@ -5346,9 +5546,12 @@
           <a:p>
             <a:pPr algn="ctr"/>
             <a:r>
-              <a:rPr lang="fr-FR" sz="3200" dirty="0" err="1">
-                <a:solidFill>
-                  <a:srgbClr val="92D050"/>
+              <a:rPr lang="fr-FR" sz="3200" dirty="0">
+                <a:solidFill>
+                  <a:schemeClr val="accent4">
+                    <a:lumMod val="40000"/>
+                    <a:lumOff val="60000"/>
+                  </a:schemeClr>
                 </a:solidFill>
                 <a:effectLst>
                   <a:outerShdw blurRad="38100" dist="38100" dir="2700000" algn="tl">
@@ -5359,21 +5562,8 @@
                 </a:effectLst>
                 <a:latin typeface="Berlin Sans FB" panose="020E0602020502020306" pitchFamily="34" charset="0"/>
               </a:rPr>
-              <a:t>Character</a:t>
-            </a:r>
-            <a:endParaRPr lang="fr-FR" sz="3200" dirty="0">
-              <a:solidFill>
-                <a:srgbClr val="92D050"/>
-              </a:solidFill>
-              <a:effectLst>
-                <a:outerShdw blurRad="38100" dist="38100" dir="2700000" algn="tl">
-                  <a:srgbClr val="000000">
-                    <a:alpha val="43137"/>
-                  </a:srgbClr>
-                </a:outerShdw>
-              </a:effectLst>
-              <a:latin typeface="Berlin Sans FB" panose="020E0602020502020306" pitchFamily="34" charset="0"/>
-            </a:endParaRPr>
+              <a:t>Controls</a:t>
+            </a:r>
           </a:p>
         </p:txBody>
       </p:sp>
@@ -5396,7 +5586,7 @@
         <p:spPr>
           <a:xfrm>
             <a:off x="1235676" y="3429000"/>
-            <a:ext cx="9720648" cy="2862322"/>
+            <a:ext cx="9720648" cy="2031325"/>
           </a:xfrm>
           <a:prstGeom prst="rect">
             <a:avLst/>
@@ -5414,16 +5604,7 @@
               <a:rPr lang="fr-FR" dirty="0">
                 <a:latin typeface="Berlin Sans FB" panose="020E0602020502020306" pitchFamily="34" charset="0"/>
               </a:rPr>
-              <a:t>Mon personnage est un humanoïde aux capacités humaines.</a:t>
-            </a:r>
-          </a:p>
-          <a:p>
-            <a:pPr algn="ctr"/>
-            <a:r>
-              <a:rPr lang="fr-FR" dirty="0">
-                <a:latin typeface="Berlin Sans FB" panose="020E0602020502020306" pitchFamily="34" charset="0"/>
-              </a:rPr>
-              <a:t>Il représente un dragueur invétéré.</a:t>
+              <a:t>Création d’un jeu mobile qui possède des mécaniques simples et intuitives.</a:t>
             </a:r>
           </a:p>
           <a:p>
@@ -5438,7 +5619,7 @@
               <a:rPr lang="fr-FR" dirty="0">
                 <a:latin typeface="Berlin Sans FB" panose="020E0602020502020306" pitchFamily="34" charset="0"/>
               </a:rPr>
-              <a:t>Chaque joueur pourra personnaliser le personnage.</a:t>
+              <a:t>Contrôle assimilable facilement.</a:t>
             </a:r>
           </a:p>
           <a:p>
@@ -5453,7 +5634,7 @@
               <a:rPr lang="fr-FR" dirty="0">
                 <a:latin typeface="Berlin Sans FB" panose="020E0602020502020306" pitchFamily="34" charset="0"/>
               </a:rPr>
-              <a:t>Ce dragueur offre au joueur un sentiment d’appropriation, d’immersion, et favorise une certaine empathie du dragueur par le joueur.</a:t>
+              <a:t>Des inputs aux nombres maxima de 2.</a:t>
             </a:r>
           </a:p>
           <a:p>
@@ -5468,17 +5649,29 @@
               <a:rPr lang="fr-FR" dirty="0">
                 <a:latin typeface="Berlin Sans FB" panose="020E0602020502020306" pitchFamily="34" charset="0"/>
               </a:rPr>
-              <a:t>Cependant, le joueur se retrouve dans une position extérieure au personnage et incarnera son dieu, son ange gardien.</a:t>
+              <a:t>Les </a:t>
+            </a:r>
+            <a:r>
+              <a:rPr lang="fr-FR" dirty="0" err="1">
+                <a:latin typeface="Berlin Sans FB" panose="020E0602020502020306" pitchFamily="34" charset="0"/>
+              </a:rPr>
+              <a:t>controls</a:t>
+            </a:r>
+            <a:r>
+              <a:rPr lang="fr-FR" dirty="0">
+                <a:latin typeface="Berlin Sans FB" panose="020E0602020502020306" pitchFamily="34" charset="0"/>
+              </a:rPr>
+              <a:t> offrent un apprentissage rapide et facile.</a:t>
             </a:r>
           </a:p>
         </p:txBody>
       </p:sp>
       <p:pic>
         <p:nvPicPr>
-          <p:cNvPr id="4" name="Image 3">
-            <a:extLst>
-              <a:ext uri="{FF2B5EF4-FFF2-40B4-BE49-F238E27FC236}">
-                <a16:creationId xmlns:a16="http://schemas.microsoft.com/office/drawing/2014/main" id="{85DFC860-A9FD-4E82-ABB1-6BB2883E85B2}"/>
+          <p:cNvPr id="7" name="Image 6">
+            <a:extLst>
+              <a:ext uri="{FF2B5EF4-FFF2-40B4-BE49-F238E27FC236}">
+                <a16:creationId xmlns:a16="http://schemas.microsoft.com/office/drawing/2014/main" id="{45A9B5D8-405E-46DA-94F6-D0E4CD16FB2B}"/>
               </a:ext>
             </a:extLst>
           </p:cNvPr>
@@ -5505,31 +5698,66 @@
         </p:blipFill>
         <p:spPr>
           <a:xfrm>
-            <a:off x="-1254052" y="27741"/>
-            <a:ext cx="5468906" cy="3076260"/>
+            <a:off x="691978" y="940472"/>
+            <a:ext cx="2229706" cy="1672280"/>
           </a:xfrm>
           <a:prstGeom prst="rect">
             <a:avLst/>
           </a:prstGeom>
         </p:spPr>
       </p:pic>
+      <p:sp>
+        <p:nvSpPr>
+          <p:cNvPr id="9" name="ZoneTexte 8">
+            <a:extLst>
+              <a:ext uri="{FF2B5EF4-FFF2-40B4-BE49-F238E27FC236}">
+                <a16:creationId xmlns:a16="http://schemas.microsoft.com/office/drawing/2014/main" id="{E070D454-0F68-4373-BEF5-D30096EBF8DD}"/>
+              </a:ext>
+            </a:extLst>
+          </p:cNvPr>
+          <p:cNvSpPr txBox="1"/>
+          <p:nvPr>
+            <p:custDataLst>
+              <p:tags r:id="rId5"/>
+            </p:custDataLst>
+          </p:nvPr>
+        </p:nvSpPr>
+        <p:spPr>
+          <a:xfrm>
+            <a:off x="691978" y="2612752"/>
+            <a:ext cx="2229706" cy="261610"/>
+          </a:xfrm>
+          <a:prstGeom prst="rect">
+            <a:avLst/>
+          </a:prstGeom>
+          <a:noFill/>
+        </p:spPr>
+        <p:txBody>
+          <a:bodyPr wrap="square" rtlCol="0">
+            <a:spAutoFit/>
+          </a:bodyPr>
+          <a:lstStyle/>
+          <a:p>
+            <a:r>
+              <a:rPr lang="fr-FR" sz="1100" i="1" dirty="0"/>
+              <a:t>Le projet est réalisé sur mobile.</a:t>
+            </a:r>
+          </a:p>
+        </p:txBody>
+      </p:sp>
       <p:pic>
         <p:nvPicPr>
-          <p:cNvPr id="6" name="Image 5">
-            <a:extLst>
-              <a:ext uri="{FF2B5EF4-FFF2-40B4-BE49-F238E27FC236}">
-                <a16:creationId xmlns:a16="http://schemas.microsoft.com/office/drawing/2014/main" id="{82958DE0-DCF5-4B98-87D8-8DFE028A1CA1}"/>
+          <p:cNvPr id="8" name="Image 7">
+            <a:extLst>
+              <a:ext uri="{FF2B5EF4-FFF2-40B4-BE49-F238E27FC236}">
+                <a16:creationId xmlns:a16="http://schemas.microsoft.com/office/drawing/2014/main" id="{24B39819-F796-454A-96A7-86002CB504B0}"/>
               </a:ext>
             </a:extLst>
           </p:cNvPr>
           <p:cNvPicPr>
             <a:picLocks noChangeAspect="1"/>
           </p:cNvPicPr>
-          <p:nvPr>
-            <p:custDataLst>
-              <p:tags r:id="rId5"/>
-            </p:custDataLst>
-          </p:nvPr>
+          <p:nvPr/>
         </p:nvPicPr>
         <p:blipFill>
           <a:blip r:embed="rId8">
@@ -5545,42 +5773,6 @@
         </p:blipFill>
         <p:spPr>
           <a:xfrm>
-            <a:off x="7857803" y="1015480"/>
-            <a:ext cx="5468907" cy="3076260"/>
-          </a:xfrm>
-          <a:prstGeom prst="rect">
-            <a:avLst/>
-          </a:prstGeom>
-        </p:spPr>
-      </p:pic>
-      <p:pic>
-        <p:nvPicPr>
-          <p:cNvPr id="7" name="Image 6">
-            <a:extLst>
-              <a:ext uri="{FF2B5EF4-FFF2-40B4-BE49-F238E27FC236}">
-                <a16:creationId xmlns:a16="http://schemas.microsoft.com/office/drawing/2014/main" id="{C0FC0B6F-0151-4498-9021-03267B3FDF28}"/>
-              </a:ext>
-            </a:extLst>
-          </p:cNvPr>
-          <p:cNvPicPr>
-            <a:picLocks noChangeAspect="1"/>
-          </p:cNvPicPr>
-          <p:nvPr/>
-        </p:nvPicPr>
-        <p:blipFill>
-          <a:blip r:embed="rId9">
-            <a:extLst>
-              <a:ext uri="{28A0092B-C50C-407E-A947-70E740481C1C}">
-                <a14:useLocalDpi xmlns:a14="http://schemas.microsoft.com/office/drawing/2010/main" val="0"/>
-              </a:ext>
-            </a:extLst>
-          </a:blip>
-          <a:stretch>
-            <a:fillRect/>
-          </a:stretch>
-        </p:blipFill>
-        <p:spPr>
-          <a:xfrm>
             <a:off x="10758616" y="-275037"/>
             <a:ext cx="1433384" cy="1433384"/>
           </a:xfrm>
@@ -5592,7 +5784,7 @@
     </p:spTree>
     <p:extLst>
       <p:ext uri="{BB962C8B-B14F-4D97-AF65-F5344CB8AC3E}">
-        <p14:creationId xmlns:p14="http://schemas.microsoft.com/office/powerpoint/2010/main" val="1947752463"/>
+        <p14:creationId xmlns:p14="http://schemas.microsoft.com/office/powerpoint/2010/main" val="1520445963"/>
       </p:ext>
     </p:extLst>
   </p:cSld>
@@ -5645,7 +5837,7 @@
         </p:nvSpPr>
         <p:spPr>
           <a:xfrm>
-            <a:off x="0" y="642541"/>
+            <a:off x="0" y="115320"/>
             <a:ext cx="12192000" cy="923330"/>
           </a:xfrm>
           <a:prstGeom prst="rect">
@@ -5673,7 +5865,7 @@
                   </a:outerShdw>
                 </a:effectLst>
               </a:rPr>
-              <a:t>3C</a:t>
+              <a:t>Direction Artistique</a:t>
             </a:r>
           </a:p>
         </p:txBody>
@@ -5696,7 +5888,7 @@
         </p:nvSpPr>
         <p:spPr>
           <a:xfrm>
-            <a:off x="0" y="2104302"/>
+            <a:off x="0" y="1222868"/>
             <a:ext cx="12192000" cy="584775"/>
           </a:xfrm>
           <a:prstGeom prst="rect">
@@ -5728,7 +5920,7 @@
                 </a:effectLst>
                 <a:latin typeface="Berlin Sans FB" panose="020E0602020502020306" pitchFamily="34" charset="0"/>
               </a:rPr>
-              <a:t>Controls</a:t>
+              <a:t>Analyse de la cible</a:t>
             </a:r>
           </a:p>
         </p:txBody>
@@ -5751,8 +5943,8 @@
         </p:nvSpPr>
         <p:spPr>
           <a:xfrm>
-            <a:off x="1235676" y="3429000"/>
-            <a:ext cx="9720648" cy="2031325"/>
+            <a:off x="469558" y="1995606"/>
+            <a:ext cx="5391664" cy="4247317"/>
           </a:xfrm>
           <a:prstGeom prst="rect">
             <a:avLst/>
@@ -5770,7 +5962,7 @@
               <a:rPr lang="fr-FR" dirty="0">
                 <a:latin typeface="Berlin Sans FB" panose="020E0602020502020306" pitchFamily="34" charset="0"/>
               </a:rPr>
-              <a:t>Création d’un jeu mobile qui possède des mécaniques simples et intuitives.</a:t>
+              <a:t>Comme précisé auparavant, je veux produire un jeu qui ciblera les adolescents et plus spécifiquement les adolescents occidentaux.</a:t>
             </a:r>
           </a:p>
           <a:p>
@@ -5785,7 +5977,7 @@
               <a:rPr lang="fr-FR" dirty="0">
                 <a:latin typeface="Berlin Sans FB" panose="020E0602020502020306" pitchFamily="34" charset="0"/>
               </a:rPr>
-              <a:t>Contrôle assimilable facilement.</a:t>
+              <a:t>D’après notre persona, nous devons plutôt établir un jeu qui sera humoristique et plaisant visuellement</a:t>
             </a:r>
           </a:p>
           <a:p>
@@ -5796,15 +5988,6 @@
           </a:p>
           <a:p>
             <a:pPr algn="ctr"/>
-            <a:r>
-              <a:rPr lang="fr-FR" dirty="0">
-                <a:latin typeface="Berlin Sans FB" panose="020E0602020502020306" pitchFamily="34" charset="0"/>
-              </a:rPr>
-              <a:t>Des inputs aux nombres maxima de 2.</a:t>
-            </a:r>
-          </a:p>
-          <a:p>
-            <a:pPr algn="ctr"/>
             <a:endParaRPr lang="fr-FR" dirty="0">
               <a:latin typeface="Berlin Sans FB" panose="020E0602020502020306" pitchFamily="34" charset="0"/>
             </a:endParaRPr>
@@ -5815,19 +5998,119 @@
               <a:rPr lang="fr-FR" dirty="0">
                 <a:latin typeface="Berlin Sans FB" panose="020E0602020502020306" pitchFamily="34" charset="0"/>
               </a:rPr>
-              <a:t>Les </a:t>
-            </a:r>
-            <a:r>
-              <a:rPr lang="fr-FR" dirty="0" err="1">
-                <a:latin typeface="Berlin Sans FB" panose="020E0602020502020306" pitchFamily="34" charset="0"/>
-              </a:rPr>
-              <a:t>controls</a:t>
-            </a:r>
+              <a:t>Les applications ci-dessus qui sont les plus téléchargées possèdent des graphismes plutôt simples.</a:t>
+            </a:r>
+          </a:p>
+          <a:p>
+            <a:pPr algn="ctr"/>
+            <a:endParaRPr lang="fr-FR" dirty="0">
+              <a:latin typeface="Berlin Sans FB" panose="020E0602020502020306" pitchFamily="34" charset="0"/>
+            </a:endParaRPr>
+          </a:p>
+          <a:p>
+            <a:pPr algn="ctr"/>
+            <a:endParaRPr lang="fr-FR" dirty="0">
+              <a:latin typeface="Berlin Sans FB" panose="020E0602020502020306" pitchFamily="34" charset="0"/>
+            </a:endParaRPr>
+          </a:p>
+          <a:p>
+            <a:pPr algn="ctr"/>
             <a:r>
               <a:rPr lang="fr-FR" dirty="0">
                 <a:latin typeface="Berlin Sans FB" panose="020E0602020502020306" pitchFamily="34" charset="0"/>
               </a:rPr>
-              <a:t> offrent un apprentissage rapide et facile.</a:t>
+              <a:t>Leurs graphismes permettent au joueur d’analyser rapidement la situation.</a:t>
+            </a:r>
+          </a:p>
+          <a:p>
+            <a:pPr algn="ctr"/>
+            <a:endParaRPr lang="fr-FR" dirty="0">
+              <a:latin typeface="Berlin Sans FB" panose="020E0602020502020306" pitchFamily="34" charset="0"/>
+            </a:endParaRPr>
+          </a:p>
+        </p:txBody>
+      </p:sp>
+      <p:pic>
+        <p:nvPicPr>
+          <p:cNvPr id="13" name="Image 12" descr="App Download and Usage Statistics (2019) - Business of Apps">
+            <a:hlinkClick r:id="rId7"/>
+            <a:extLst>
+              <a:ext uri="{FF2B5EF4-FFF2-40B4-BE49-F238E27FC236}">
+                <a16:creationId xmlns:a16="http://schemas.microsoft.com/office/drawing/2014/main" id="{CEB65C68-A0ED-4922-A46A-30554B022D8B}"/>
+              </a:ext>
+            </a:extLst>
+          </p:cNvPr>
+          <p:cNvPicPr/>
+          <p:nvPr>
+            <p:custDataLst>
+              <p:tags r:id="rId4"/>
+            </p:custDataLst>
+          </p:nvPr>
+        </p:nvPicPr>
+        <p:blipFill>
+          <a:blip r:embed="rId8">
+            <a:extLst>
+              <a:ext uri="{28A0092B-C50C-407E-A947-70E740481C1C}">
+                <a14:useLocalDpi xmlns:a14="http://schemas.microsoft.com/office/drawing/2010/main" val="0"/>
+              </a:ext>
+            </a:extLst>
+          </a:blip>
+          <a:srcRect/>
+          <a:stretch>
+            <a:fillRect/>
+          </a:stretch>
+        </p:blipFill>
+        <p:spPr bwMode="auto">
+          <a:xfrm>
+            <a:off x="6659648" y="2698273"/>
+            <a:ext cx="4733925" cy="3395980"/>
+          </a:xfrm>
+          <a:prstGeom prst="rect">
+            <a:avLst/>
+          </a:prstGeom>
+          <a:noFill/>
+          <a:ln>
+            <a:noFill/>
+          </a:ln>
+        </p:spPr>
+      </p:pic>
+      <p:sp>
+        <p:nvSpPr>
+          <p:cNvPr id="5" name="ZoneTexte 4">
+            <a:extLst>
+              <a:ext uri="{FF2B5EF4-FFF2-40B4-BE49-F238E27FC236}">
+                <a16:creationId xmlns:a16="http://schemas.microsoft.com/office/drawing/2014/main" id="{A90A4C66-A700-4984-BF58-6FFF571A5FAA}"/>
+              </a:ext>
+            </a:extLst>
+          </p:cNvPr>
+          <p:cNvSpPr txBox="1"/>
+          <p:nvPr>
+            <p:custDataLst>
+              <p:tags r:id="rId5"/>
+            </p:custDataLst>
+          </p:nvPr>
+        </p:nvSpPr>
+        <p:spPr>
+          <a:xfrm>
+            <a:off x="6659648" y="2331308"/>
+            <a:ext cx="4733925" cy="276999"/>
+          </a:xfrm>
+          <a:prstGeom prst="rect">
+            <a:avLst/>
+          </a:prstGeom>
+          <a:noFill/>
+        </p:spPr>
+        <p:txBody>
+          <a:bodyPr wrap="square" rtlCol="0">
+            <a:spAutoFit/>
+          </a:bodyPr>
+          <a:lstStyle/>
+          <a:p>
+            <a:r>
+              <a:rPr lang="fr-FR" sz="1200" i="1" dirty="0">
+                <a:latin typeface="Berlin Sans FB" panose="020E0602020502020306" pitchFamily="34" charset="0"/>
+              </a:rPr>
+              <a:t>Analyse de marché du jeu vidéo mobile</a:t>
             </a:r>
           </a:p>
         </p:txBody>
@@ -5837,21 +6120,17 @@
           <p:cNvPr id="7" name="Image 6">
             <a:extLst>
               <a:ext uri="{FF2B5EF4-FFF2-40B4-BE49-F238E27FC236}">
-                <a16:creationId xmlns:a16="http://schemas.microsoft.com/office/drawing/2014/main" id="{45A9B5D8-405E-46DA-94F6-D0E4CD16FB2B}"/>
+                <a16:creationId xmlns:a16="http://schemas.microsoft.com/office/drawing/2014/main" id="{2BDDBFC9-A89D-4420-A876-C2B07D50A8E0}"/>
               </a:ext>
             </a:extLst>
           </p:cNvPr>
           <p:cNvPicPr>
             <a:picLocks noChangeAspect="1"/>
           </p:cNvPicPr>
-          <p:nvPr>
-            <p:custDataLst>
-              <p:tags r:id="rId4"/>
-            </p:custDataLst>
-          </p:nvPr>
+          <p:nvPr/>
         </p:nvPicPr>
         <p:blipFill>
-          <a:blip r:embed="rId7">
+          <a:blip r:embed="rId9">
             <a:extLst>
               <a:ext uri="{28A0092B-C50C-407E-A947-70E740481C1C}">
                 <a14:useLocalDpi xmlns:a14="http://schemas.microsoft.com/office/drawing/2010/main" val="0"/>
@@ -5864,81 +6143,6 @@
         </p:blipFill>
         <p:spPr>
           <a:xfrm>
-            <a:off x="691978" y="940472"/>
-            <a:ext cx="2229706" cy="1672280"/>
-          </a:xfrm>
-          <a:prstGeom prst="rect">
-            <a:avLst/>
-          </a:prstGeom>
-        </p:spPr>
-      </p:pic>
-      <p:sp>
-        <p:nvSpPr>
-          <p:cNvPr id="9" name="ZoneTexte 8">
-            <a:extLst>
-              <a:ext uri="{FF2B5EF4-FFF2-40B4-BE49-F238E27FC236}">
-                <a16:creationId xmlns:a16="http://schemas.microsoft.com/office/drawing/2014/main" id="{E070D454-0F68-4373-BEF5-D30096EBF8DD}"/>
-              </a:ext>
-            </a:extLst>
-          </p:cNvPr>
-          <p:cNvSpPr txBox="1"/>
-          <p:nvPr>
-            <p:custDataLst>
-              <p:tags r:id="rId5"/>
-            </p:custDataLst>
-          </p:nvPr>
-        </p:nvSpPr>
-        <p:spPr>
-          <a:xfrm>
-            <a:off x="691978" y="2612752"/>
-            <a:ext cx="2229706" cy="261610"/>
-          </a:xfrm>
-          <a:prstGeom prst="rect">
-            <a:avLst/>
-          </a:prstGeom>
-          <a:noFill/>
-        </p:spPr>
-        <p:txBody>
-          <a:bodyPr wrap="square" rtlCol="0">
-            <a:spAutoFit/>
-          </a:bodyPr>
-          <a:lstStyle/>
-          <a:p>
-            <a:r>
-              <a:rPr lang="fr-FR" sz="1100" i="1" dirty="0"/>
-              <a:t>Le projet est réalisé sur mobile.</a:t>
-            </a:r>
-          </a:p>
-        </p:txBody>
-      </p:sp>
-      <p:pic>
-        <p:nvPicPr>
-          <p:cNvPr id="8" name="Image 7">
-            <a:extLst>
-              <a:ext uri="{FF2B5EF4-FFF2-40B4-BE49-F238E27FC236}">
-                <a16:creationId xmlns:a16="http://schemas.microsoft.com/office/drawing/2014/main" id="{24B39819-F796-454A-96A7-86002CB504B0}"/>
-              </a:ext>
-            </a:extLst>
-          </p:cNvPr>
-          <p:cNvPicPr>
-            <a:picLocks noChangeAspect="1"/>
-          </p:cNvPicPr>
-          <p:nvPr/>
-        </p:nvPicPr>
-        <p:blipFill>
-          <a:blip r:embed="rId8">
-            <a:extLst>
-              <a:ext uri="{28A0092B-C50C-407E-A947-70E740481C1C}">
-                <a14:useLocalDpi xmlns:a14="http://schemas.microsoft.com/office/drawing/2010/main" val="0"/>
-              </a:ext>
-            </a:extLst>
-          </a:blip>
-          <a:stretch>
-            <a:fillRect/>
-          </a:stretch>
-        </p:blipFill>
-        <p:spPr>
-          <a:xfrm>
             <a:off x="10758616" y="-275037"/>
             <a:ext cx="1433384" cy="1433384"/>
           </a:xfrm>
@@ -5950,7 +6154,7 @@
     </p:spTree>
     <p:extLst>
       <p:ext uri="{BB962C8B-B14F-4D97-AF65-F5344CB8AC3E}">
-        <p14:creationId xmlns:p14="http://schemas.microsoft.com/office/powerpoint/2010/main" val="1520445963"/>
+        <p14:creationId xmlns:p14="http://schemas.microsoft.com/office/powerpoint/2010/main" val="3782344778"/>
       </p:ext>
     </p:extLst>
   </p:cSld>
@@ -6070,7 +6274,7 @@
           <a:p>
             <a:pPr algn="ctr"/>
             <a:r>
-              <a:rPr lang="fr-FR" sz="3200" dirty="0">
+              <a:rPr lang="fr-FR" sz="3200" dirty="0" err="1">
                 <a:solidFill>
                   <a:schemeClr val="accent4">
                     <a:lumMod val="40000"/>
@@ -6086,207 +6290,73 @@
                 </a:effectLst>
                 <a:latin typeface="Berlin Sans FB" panose="020E0602020502020306" pitchFamily="34" charset="0"/>
               </a:rPr>
-              <a:t>Analyse de la cible</a:t>
-            </a:r>
-          </a:p>
-        </p:txBody>
-      </p:sp>
-      <p:sp>
-        <p:nvSpPr>
-          <p:cNvPr id="14" name="ZoneTexte 13">
-            <a:extLst>
-              <a:ext uri="{FF2B5EF4-FFF2-40B4-BE49-F238E27FC236}">
-                <a16:creationId xmlns:a16="http://schemas.microsoft.com/office/drawing/2014/main" id="{7BD281A3-5CA5-4882-832F-C757DE270205}"/>
-              </a:ext>
-            </a:extLst>
-          </p:cNvPr>
-          <p:cNvSpPr txBox="1"/>
+              <a:t>MoodBoard</a:t>
+            </a:r>
+            <a:endParaRPr lang="fr-FR" sz="3200" dirty="0">
+              <a:solidFill>
+                <a:schemeClr val="accent4">
+                  <a:lumMod val="40000"/>
+                  <a:lumOff val="60000"/>
+                </a:schemeClr>
+              </a:solidFill>
+              <a:effectLst>
+                <a:outerShdw blurRad="38100" dist="38100" dir="2700000" algn="tl">
+                  <a:srgbClr val="000000">
+                    <a:alpha val="43137"/>
+                  </a:srgbClr>
+                </a:outerShdw>
+              </a:effectLst>
+              <a:latin typeface="Berlin Sans FB" panose="020E0602020502020306" pitchFamily="34" charset="0"/>
+            </a:endParaRPr>
+          </a:p>
+        </p:txBody>
+      </p:sp>
+      <p:pic>
+        <p:nvPicPr>
+          <p:cNvPr id="4" name="Image 3">
+            <a:extLst>
+              <a:ext uri="{FF2B5EF4-FFF2-40B4-BE49-F238E27FC236}">
+                <a16:creationId xmlns:a16="http://schemas.microsoft.com/office/drawing/2014/main" id="{65FD1CA3-A320-4DFB-921A-01529149109C}"/>
+              </a:ext>
+            </a:extLst>
+          </p:cNvPr>
+          <p:cNvPicPr>
+            <a:picLocks noChangeAspect="1"/>
+          </p:cNvPicPr>
           <p:nvPr>
             <p:custDataLst>
               <p:tags r:id="rId3"/>
             </p:custDataLst>
           </p:nvPr>
-        </p:nvSpPr>
-        <p:spPr>
-          <a:xfrm>
-            <a:off x="469558" y="1995606"/>
-            <a:ext cx="5391664" cy="4247317"/>
-          </a:xfrm>
-          <a:prstGeom prst="rect">
-            <a:avLst/>
-          </a:prstGeom>
-          <a:noFill/>
-        </p:spPr>
-        <p:txBody>
-          <a:bodyPr wrap="square" rtlCol="0">
-            <a:spAutoFit/>
-          </a:bodyPr>
-          <a:lstStyle/>
-          <a:p>
-            <a:pPr algn="ctr"/>
-            <a:r>
-              <a:rPr lang="fr-FR" dirty="0">
-                <a:latin typeface="Berlin Sans FB" panose="020E0602020502020306" pitchFamily="34" charset="0"/>
-              </a:rPr>
-              <a:t>Comme précisé auparavant, je veux produire un jeu qui ciblera les adolescents et plus spécifiquement les adolescents occidentaux.</a:t>
-            </a:r>
-          </a:p>
-          <a:p>
-            <a:pPr algn="ctr"/>
-            <a:endParaRPr lang="fr-FR" dirty="0">
-              <a:latin typeface="Berlin Sans FB" panose="020E0602020502020306" pitchFamily="34" charset="0"/>
-            </a:endParaRPr>
-          </a:p>
-          <a:p>
-            <a:pPr algn="ctr"/>
-            <a:r>
-              <a:rPr lang="fr-FR" dirty="0">
-                <a:latin typeface="Berlin Sans FB" panose="020E0602020502020306" pitchFamily="34" charset="0"/>
-              </a:rPr>
-              <a:t>D’après notre persona, nous devons plutôt établir un jeu qui sera humoristique et plaisant visuellement</a:t>
-            </a:r>
-          </a:p>
-          <a:p>
-            <a:pPr algn="ctr"/>
-            <a:endParaRPr lang="fr-FR" dirty="0">
-              <a:latin typeface="Berlin Sans FB" panose="020E0602020502020306" pitchFamily="34" charset="0"/>
-            </a:endParaRPr>
-          </a:p>
-          <a:p>
-            <a:pPr algn="ctr"/>
-            <a:endParaRPr lang="fr-FR" dirty="0">
-              <a:latin typeface="Berlin Sans FB" panose="020E0602020502020306" pitchFamily="34" charset="0"/>
-            </a:endParaRPr>
-          </a:p>
-          <a:p>
-            <a:pPr algn="ctr"/>
-            <a:r>
-              <a:rPr lang="fr-FR" dirty="0">
-                <a:latin typeface="Berlin Sans FB" panose="020E0602020502020306" pitchFamily="34" charset="0"/>
-              </a:rPr>
-              <a:t>Les applications ci-dessus qui sont les plus téléchargées possèdent des graphismes plutôt simples.</a:t>
-            </a:r>
-          </a:p>
-          <a:p>
-            <a:pPr algn="ctr"/>
-            <a:endParaRPr lang="fr-FR" dirty="0">
-              <a:latin typeface="Berlin Sans FB" panose="020E0602020502020306" pitchFamily="34" charset="0"/>
-            </a:endParaRPr>
-          </a:p>
-          <a:p>
-            <a:pPr algn="ctr"/>
-            <a:endParaRPr lang="fr-FR" dirty="0">
-              <a:latin typeface="Berlin Sans FB" panose="020E0602020502020306" pitchFamily="34" charset="0"/>
-            </a:endParaRPr>
-          </a:p>
-          <a:p>
-            <a:pPr algn="ctr"/>
-            <a:r>
-              <a:rPr lang="fr-FR" dirty="0">
-                <a:latin typeface="Berlin Sans FB" panose="020E0602020502020306" pitchFamily="34" charset="0"/>
-              </a:rPr>
-              <a:t>Leurs graphismes permettent au joueur d’analyser rapidement la situation.</a:t>
-            </a:r>
-          </a:p>
-          <a:p>
-            <a:pPr algn="ctr"/>
-            <a:endParaRPr lang="fr-FR" dirty="0">
-              <a:latin typeface="Berlin Sans FB" panose="020E0602020502020306" pitchFamily="34" charset="0"/>
-            </a:endParaRPr>
-          </a:p>
-        </p:txBody>
-      </p:sp>
-      <p:pic>
-        <p:nvPicPr>
-          <p:cNvPr id="13" name="Image 12" descr="App Download and Usage Statistics (2019) - Business of Apps">
-            <a:hlinkClick r:id="rId7"/>
-            <a:extLst>
-              <a:ext uri="{FF2B5EF4-FFF2-40B4-BE49-F238E27FC236}">
-                <a16:creationId xmlns:a16="http://schemas.microsoft.com/office/drawing/2014/main" id="{CEB65C68-A0ED-4922-A46A-30554B022D8B}"/>
-              </a:ext>
-            </a:extLst>
-          </p:cNvPr>
-          <p:cNvPicPr/>
-          <p:nvPr>
-            <p:custDataLst>
-              <p:tags r:id="rId4"/>
-            </p:custDataLst>
-          </p:nvPr>
         </p:nvPicPr>
         <p:blipFill>
-          <a:blip r:embed="rId8">
+          <a:blip r:embed="rId5">
             <a:extLst>
               <a:ext uri="{28A0092B-C50C-407E-A947-70E740481C1C}">
                 <a14:useLocalDpi xmlns:a14="http://schemas.microsoft.com/office/drawing/2010/main" val="0"/>
               </a:ext>
             </a:extLst>
           </a:blip>
-          <a:srcRect/>
           <a:stretch>
             <a:fillRect/>
           </a:stretch>
         </p:blipFill>
-        <p:spPr bwMode="auto">
-          <a:xfrm>
-            <a:off x="6659648" y="2698273"/>
-            <a:ext cx="4733925" cy="3395980"/>
+        <p:spPr>
+          <a:xfrm>
+            <a:off x="3415999" y="2090221"/>
+            <a:ext cx="5360001" cy="3888979"/>
           </a:xfrm>
           <a:prstGeom prst="rect">
             <a:avLst/>
           </a:prstGeom>
-          <a:noFill/>
-          <a:ln>
-            <a:noFill/>
-          </a:ln>
         </p:spPr>
       </p:pic>
-      <p:sp>
-        <p:nvSpPr>
-          <p:cNvPr id="5" name="ZoneTexte 4">
-            <a:extLst>
-              <a:ext uri="{FF2B5EF4-FFF2-40B4-BE49-F238E27FC236}">
-                <a16:creationId xmlns:a16="http://schemas.microsoft.com/office/drawing/2014/main" id="{A90A4C66-A700-4984-BF58-6FFF571A5FAA}"/>
-              </a:ext>
-            </a:extLst>
-          </p:cNvPr>
-          <p:cNvSpPr txBox="1"/>
-          <p:nvPr>
-            <p:custDataLst>
-              <p:tags r:id="rId5"/>
-            </p:custDataLst>
-          </p:nvPr>
-        </p:nvSpPr>
-        <p:spPr>
-          <a:xfrm>
-            <a:off x="6659648" y="2331308"/>
-            <a:ext cx="4733925" cy="276999"/>
-          </a:xfrm>
-          <a:prstGeom prst="rect">
-            <a:avLst/>
-          </a:prstGeom>
-          <a:noFill/>
-        </p:spPr>
-        <p:txBody>
-          <a:bodyPr wrap="square" rtlCol="0">
-            <a:spAutoFit/>
-          </a:bodyPr>
-          <a:lstStyle/>
-          <a:p>
-            <a:r>
-              <a:rPr lang="fr-FR" sz="1200" i="1" dirty="0">
-                <a:latin typeface="Berlin Sans FB" panose="020E0602020502020306" pitchFamily="34" charset="0"/>
-              </a:rPr>
-              <a:t>Analyse de marché du jeu vidéo mobile</a:t>
-            </a:r>
-          </a:p>
-        </p:txBody>
-      </p:sp>
       <p:pic>
         <p:nvPicPr>
-          <p:cNvPr id="7" name="Image 6">
-            <a:extLst>
-              <a:ext uri="{FF2B5EF4-FFF2-40B4-BE49-F238E27FC236}">
-                <a16:creationId xmlns:a16="http://schemas.microsoft.com/office/drawing/2014/main" id="{2BDDBFC9-A89D-4420-A876-C2B07D50A8E0}"/>
+          <p:cNvPr id="5" name="Image 4">
+            <a:extLst>
+              <a:ext uri="{FF2B5EF4-FFF2-40B4-BE49-F238E27FC236}">
+                <a16:creationId xmlns:a16="http://schemas.microsoft.com/office/drawing/2014/main" id="{5B7DA96D-4572-4C7F-9101-52FA664682A0}"/>
               </a:ext>
             </a:extLst>
           </p:cNvPr>
@@ -6296,7 +6366,7 @@
           <p:nvPr/>
         </p:nvPicPr>
         <p:blipFill>
-          <a:blip r:embed="rId9">
+          <a:blip r:embed="rId6">
             <a:extLst>
               <a:ext uri="{28A0092B-C50C-407E-A947-70E740481C1C}">
                 <a14:useLocalDpi xmlns:a14="http://schemas.microsoft.com/office/drawing/2010/main" val="0"/>
@@ -6320,7 +6390,7 @@
     </p:spTree>
     <p:extLst>
       <p:ext uri="{BB962C8B-B14F-4D97-AF65-F5344CB8AC3E}">
-        <p14:creationId xmlns:p14="http://schemas.microsoft.com/office/powerpoint/2010/main" val="3782344778"/>
+        <p14:creationId xmlns:p14="http://schemas.microsoft.com/office/powerpoint/2010/main" val="1657807635"/>
       </p:ext>
     </p:extLst>
   </p:cSld>
@@ -6373,7 +6443,7 @@
         </p:nvSpPr>
         <p:spPr>
           <a:xfrm>
-            <a:off x="0" y="115320"/>
+            <a:off x="0" y="337744"/>
             <a:ext cx="12192000" cy="923330"/>
           </a:xfrm>
           <a:prstGeom prst="rect">
@@ -6424,8 +6494,8 @@
         </p:nvSpPr>
         <p:spPr>
           <a:xfrm>
-            <a:off x="0" y="1222868"/>
-            <a:ext cx="12192000" cy="584775"/>
+            <a:off x="469557" y="1641821"/>
+            <a:ext cx="5391664" cy="584775"/>
           </a:xfrm>
           <a:prstGeom prst="rect">
             <a:avLst/>
@@ -6440,7 +6510,7 @@
           <a:p>
             <a:pPr algn="ctr"/>
             <a:r>
-              <a:rPr lang="fr-FR" sz="3200" dirty="0" err="1">
+              <a:rPr lang="fr-FR" sz="3200" dirty="0">
                 <a:solidFill>
                   <a:schemeClr val="accent4">
                     <a:lumMod val="40000"/>
@@ -6456,14 +6526,127 @@
                 </a:effectLst>
                 <a:latin typeface="Berlin Sans FB" panose="020E0602020502020306" pitchFamily="34" charset="0"/>
               </a:rPr>
-              <a:t>MoodBoard</a:t>
-            </a:r>
-            <a:endParaRPr lang="fr-FR" sz="3200" dirty="0">
+              <a:t>Titre</a:t>
+            </a:r>
+          </a:p>
+        </p:txBody>
+      </p:sp>
+      <p:sp>
+        <p:nvSpPr>
+          <p:cNvPr id="5" name="ZoneTexte 4">
+            <a:extLst>
+              <a:ext uri="{FF2B5EF4-FFF2-40B4-BE49-F238E27FC236}">
+                <a16:creationId xmlns:a16="http://schemas.microsoft.com/office/drawing/2014/main" id="{57496AE6-554E-4693-B52B-F203C1A50906}"/>
+              </a:ext>
+            </a:extLst>
+          </p:cNvPr>
+          <p:cNvSpPr txBox="1"/>
+          <p:nvPr>
+            <p:custDataLst>
+              <p:tags r:id="rId3"/>
+            </p:custDataLst>
+          </p:nvPr>
+        </p:nvSpPr>
+        <p:spPr>
+          <a:xfrm>
+            <a:off x="469557" y="2681649"/>
+            <a:ext cx="5391664" cy="461665"/>
+          </a:xfrm>
+          <a:prstGeom prst="rect">
+            <a:avLst/>
+          </a:prstGeom>
+          <a:noFill/>
+        </p:spPr>
+        <p:txBody>
+          <a:bodyPr wrap="square" rtlCol="0">
+            <a:spAutoFit/>
+          </a:bodyPr>
+          <a:lstStyle/>
+          <a:p>
+            <a:pPr algn="ctr"/>
+            <a:r>
+              <a:rPr lang="fr-FR" sz="2400" dirty="0" err="1">
+                <a:solidFill>
+                  <a:schemeClr val="bg1"/>
+                </a:solidFill>
+                <a:effectLst>
+                  <a:outerShdw blurRad="38100" dist="38100" dir="2700000" algn="tl">
+                    <a:srgbClr val="000000">
+                      <a:alpha val="43137"/>
+                    </a:srgbClr>
+                  </a:outerShdw>
+                </a:effectLst>
+                <a:latin typeface="Berlin Sans FB" panose="020E0602020502020306" pitchFamily="34" charset="0"/>
+              </a:rPr>
+              <a:t>Protect</a:t>
+            </a:r>
+            <a:r>
+              <a:rPr lang="fr-FR" sz="2400" dirty="0">
+                <a:solidFill>
+                  <a:schemeClr val="bg1"/>
+                </a:solidFill>
+                <a:effectLst>
+                  <a:outerShdw blurRad="38100" dist="38100" dir="2700000" algn="tl">
+                    <a:srgbClr val="000000">
+                      <a:alpha val="43137"/>
+                    </a:srgbClr>
+                  </a:outerShdw>
+                </a:effectLst>
+                <a:latin typeface="Berlin Sans FB" panose="020E0602020502020306" pitchFamily="34" charset="0"/>
+              </a:rPr>
+              <a:t> </a:t>
+            </a:r>
+            <a:r>
+              <a:rPr lang="fr-FR" sz="2400" dirty="0" err="1">
+                <a:solidFill>
+                  <a:schemeClr val="bg1"/>
+                </a:solidFill>
+                <a:effectLst>
+                  <a:outerShdw blurRad="38100" dist="38100" dir="2700000" algn="tl">
+                    <a:srgbClr val="000000">
+                      <a:alpha val="43137"/>
+                    </a:srgbClr>
+                  </a:outerShdw>
+                </a:effectLst>
+                <a:latin typeface="Berlin Sans FB" panose="020E0602020502020306" pitchFamily="34" charset="0"/>
+              </a:rPr>
+              <a:t>Your</a:t>
+            </a:r>
+            <a:r>
+              <a:rPr lang="fr-FR" sz="2400" dirty="0">
+                <a:solidFill>
+                  <a:schemeClr val="bg1"/>
+                </a:solidFill>
+                <a:effectLst>
+                  <a:outerShdw blurRad="38100" dist="38100" dir="2700000" algn="tl">
+                    <a:srgbClr val="000000">
+                      <a:alpha val="43137"/>
+                    </a:srgbClr>
+                  </a:outerShdw>
+                </a:effectLst>
+                <a:latin typeface="Berlin Sans FB" panose="020E0602020502020306" pitchFamily="34" charset="0"/>
+              </a:rPr>
+              <a:t> </a:t>
+            </a:r>
+            <a:r>
+              <a:rPr lang="fr-FR" sz="2400" dirty="0" err="1">
+                <a:solidFill>
+                  <a:schemeClr val="bg1"/>
+                </a:solidFill>
+                <a:effectLst>
+                  <a:outerShdw blurRad="38100" dist="38100" dir="2700000" algn="tl">
+                    <a:srgbClr val="000000">
+                      <a:alpha val="43137"/>
+                    </a:srgbClr>
+                  </a:outerShdw>
+                </a:effectLst>
+                <a:latin typeface="Berlin Sans FB" panose="020E0602020502020306" pitchFamily="34" charset="0"/>
+              </a:rPr>
+              <a:t>Womanizer</a:t>
+            </a:r>
+            <a:endParaRPr lang="fr-FR" sz="2400" dirty="0">
               <a:solidFill>
-                <a:schemeClr val="accent4">
-                  <a:lumMod val="40000"/>
-                  <a:lumOff val="60000"/>
-                </a:schemeClr>
+                <a:schemeClr val="bg1"/>
               </a:solidFill>
               <a:effectLst>
                 <a:outerShdw blurRad="38100" dist="38100" dir="2700000" algn="tl">
@@ -6477,12 +6660,206 @@
           </a:p>
         </p:txBody>
       </p:sp>
+      <p:sp>
+        <p:nvSpPr>
+          <p:cNvPr id="9" name="ZoneTexte 8">
+            <a:extLst>
+              <a:ext uri="{FF2B5EF4-FFF2-40B4-BE49-F238E27FC236}">
+                <a16:creationId xmlns:a16="http://schemas.microsoft.com/office/drawing/2014/main" id="{38BB7812-5504-4BBC-B7A2-3BC91700C060}"/>
+              </a:ext>
+            </a:extLst>
+          </p:cNvPr>
+          <p:cNvSpPr txBox="1"/>
+          <p:nvPr>
+            <p:custDataLst>
+              <p:tags r:id="rId4"/>
+            </p:custDataLst>
+          </p:nvPr>
+        </p:nvSpPr>
+        <p:spPr>
+          <a:xfrm>
+            <a:off x="469557" y="4457323"/>
+            <a:ext cx="5391664" cy="2308324"/>
+          </a:xfrm>
+          <a:prstGeom prst="rect">
+            <a:avLst/>
+          </a:prstGeom>
+          <a:noFill/>
+        </p:spPr>
+        <p:txBody>
+          <a:bodyPr wrap="square" rtlCol="0">
+            <a:spAutoFit/>
+          </a:bodyPr>
+          <a:lstStyle/>
+          <a:p>
+            <a:pPr algn="ctr"/>
+            <a:r>
+              <a:rPr lang="fr-FR" dirty="0">
+                <a:latin typeface="Berlin Sans FB" panose="020E0602020502020306" pitchFamily="34" charset="0"/>
+              </a:rPr>
+              <a:t>Rappel de l’ambiance de l’objectif du jeu.</a:t>
+            </a:r>
+          </a:p>
+          <a:p>
+            <a:pPr algn="ctr"/>
+            <a:endParaRPr lang="fr-FR" dirty="0">
+              <a:latin typeface="Berlin Sans FB" panose="020E0602020502020306" pitchFamily="34" charset="0"/>
+            </a:endParaRPr>
+          </a:p>
+          <a:p>
+            <a:pPr algn="ctr"/>
+            <a:r>
+              <a:rPr lang="fr-FR" dirty="0">
+                <a:latin typeface="Berlin Sans FB" panose="020E0602020502020306" pitchFamily="34" charset="0"/>
+              </a:rPr>
+              <a:t>Rappel de l’aspect humoristique du jeu.</a:t>
+            </a:r>
+          </a:p>
+          <a:p>
+            <a:pPr algn="ctr"/>
+            <a:endParaRPr lang="fr-FR" dirty="0">
+              <a:latin typeface="Berlin Sans FB" panose="020E0602020502020306" pitchFamily="34" charset="0"/>
+            </a:endParaRPr>
+          </a:p>
+          <a:p>
+            <a:pPr algn="ctr"/>
+            <a:r>
+              <a:rPr lang="fr-FR" dirty="0">
+                <a:latin typeface="Berlin Sans FB" panose="020E0602020502020306" pitchFamily="34" charset="0"/>
+              </a:rPr>
+              <a:t>Rappel de la position du joueur dans le jeu (position divine/sauveur).</a:t>
+            </a:r>
+          </a:p>
+          <a:p>
+            <a:pPr algn="ctr"/>
+            <a:endParaRPr lang="fr-FR" dirty="0">
+              <a:latin typeface="Berlin Sans FB" panose="020E0602020502020306" pitchFamily="34" charset="0"/>
+            </a:endParaRPr>
+          </a:p>
+          <a:p>
+            <a:pPr algn="ctr"/>
+            <a:r>
+              <a:rPr lang="fr-FR" dirty="0">
+                <a:latin typeface="Berlin Sans FB" panose="020E0602020502020306" pitchFamily="34" charset="0"/>
+              </a:rPr>
+              <a:t>Synthétise le concept du jeu.</a:t>
+            </a:r>
+          </a:p>
+        </p:txBody>
+      </p:sp>
+      <p:sp>
+        <p:nvSpPr>
+          <p:cNvPr id="12" name="ZoneTexte 11">
+            <a:extLst>
+              <a:ext uri="{FF2B5EF4-FFF2-40B4-BE49-F238E27FC236}">
+                <a16:creationId xmlns:a16="http://schemas.microsoft.com/office/drawing/2014/main" id="{57CA469E-1CCA-4455-977D-75527717304D}"/>
+              </a:ext>
+            </a:extLst>
+          </p:cNvPr>
+          <p:cNvSpPr txBox="1"/>
+          <p:nvPr>
+            <p:custDataLst>
+              <p:tags r:id="rId5"/>
+            </p:custDataLst>
+          </p:nvPr>
+        </p:nvSpPr>
+        <p:spPr>
+          <a:xfrm>
+            <a:off x="469557" y="3569486"/>
+            <a:ext cx="5391664" cy="461665"/>
+          </a:xfrm>
+          <a:prstGeom prst="rect">
+            <a:avLst/>
+          </a:prstGeom>
+          <a:noFill/>
+        </p:spPr>
+        <p:txBody>
+          <a:bodyPr wrap="square" rtlCol="0">
+            <a:spAutoFit/>
+          </a:bodyPr>
+          <a:lstStyle/>
+          <a:p>
+            <a:pPr algn="ctr"/>
+            <a:r>
+              <a:rPr lang="fr-FR" sz="2400" dirty="0">
+                <a:solidFill>
+                  <a:schemeClr val="bg1"/>
+                </a:solidFill>
+                <a:effectLst>
+                  <a:outerShdw blurRad="38100" dist="38100" dir="2700000" algn="tl">
+                    <a:srgbClr val="000000">
+                      <a:alpha val="43137"/>
+                    </a:srgbClr>
+                  </a:outerShdw>
+                </a:effectLst>
+                <a:latin typeface="Berlin Sans FB" panose="020E0602020502020306" pitchFamily="34" charset="0"/>
+              </a:rPr>
+              <a:t>« Protège ton dragueur »</a:t>
+            </a:r>
+          </a:p>
+        </p:txBody>
+      </p:sp>
+      <p:sp>
+        <p:nvSpPr>
+          <p:cNvPr id="26" name="ZoneTexte 25">
+            <a:extLst>
+              <a:ext uri="{FF2B5EF4-FFF2-40B4-BE49-F238E27FC236}">
+                <a16:creationId xmlns:a16="http://schemas.microsoft.com/office/drawing/2014/main" id="{B06710B2-6028-4962-8DD1-8D4CA092C0B1}"/>
+              </a:ext>
+            </a:extLst>
+          </p:cNvPr>
+          <p:cNvSpPr txBox="1"/>
+          <p:nvPr>
+            <p:custDataLst>
+              <p:tags r:id="rId6"/>
+            </p:custDataLst>
+          </p:nvPr>
+        </p:nvSpPr>
+        <p:spPr>
+          <a:xfrm>
+            <a:off x="6330778" y="1633113"/>
+            <a:ext cx="5861222" cy="584775"/>
+          </a:xfrm>
+          <a:prstGeom prst="rect">
+            <a:avLst/>
+          </a:prstGeom>
+          <a:noFill/>
+        </p:spPr>
+        <p:txBody>
+          <a:bodyPr wrap="square" rtlCol="0">
+            <a:spAutoFit/>
+          </a:bodyPr>
+          <a:lstStyle/>
+          <a:p>
+            <a:pPr algn="ctr"/>
+            <a:r>
+              <a:rPr lang="fr-FR" sz="3200" dirty="0">
+                <a:solidFill>
+                  <a:schemeClr val="accent4">
+                    <a:lumMod val="40000"/>
+                    <a:lumOff val="60000"/>
+                  </a:schemeClr>
+                </a:solidFill>
+                <a:effectLst>
+                  <a:outerShdw blurRad="38100" dist="38100" dir="2700000" algn="tl">
+                    <a:srgbClr val="000000">
+                      <a:alpha val="43137"/>
+                    </a:srgbClr>
+                  </a:outerShdw>
+                </a:effectLst>
+                <a:latin typeface="Berlin Sans FB" panose="020E0602020502020306" pitchFamily="34" charset="0"/>
+              </a:rPr>
+              <a:t>Logo</a:t>
+            </a:r>
+          </a:p>
+        </p:txBody>
+      </p:sp>
       <p:pic>
         <p:nvPicPr>
-          <p:cNvPr id="4" name="Image 3">
-            <a:extLst>
-              <a:ext uri="{FF2B5EF4-FFF2-40B4-BE49-F238E27FC236}">
-                <a16:creationId xmlns:a16="http://schemas.microsoft.com/office/drawing/2014/main" id="{65FD1CA3-A320-4DFB-921A-01529149109C}"/>
+          <p:cNvPr id="28" name="Image 27">
+            <a:extLst>
+              <a:ext uri="{FF2B5EF4-FFF2-40B4-BE49-F238E27FC236}">
+                <a16:creationId xmlns:a16="http://schemas.microsoft.com/office/drawing/2014/main" id="{85C746D0-2C0D-4C4B-A5BE-3B249DD7AB4D}"/>
               </a:ext>
             </a:extLst>
           </p:cNvPr>
@@ -6491,12 +6868,12 @@
           </p:cNvPicPr>
           <p:nvPr>
             <p:custDataLst>
-              <p:tags r:id="rId3"/>
+              <p:tags r:id="rId7"/>
             </p:custDataLst>
           </p:nvPr>
         </p:nvPicPr>
         <p:blipFill>
-          <a:blip r:embed="rId5">
+          <a:blip r:embed="rId10">
             <a:extLst>
               <a:ext uri="{28A0092B-C50C-407E-A947-70E740481C1C}">
                 <a14:useLocalDpi xmlns:a14="http://schemas.microsoft.com/office/drawing/2010/main" val="0"/>
@@ -6509,54 +6886,90 @@
         </p:blipFill>
         <p:spPr>
           <a:xfrm>
-            <a:off x="3415999" y="2090221"/>
-            <a:ext cx="5360001" cy="3888979"/>
+            <a:off x="7664277" y="4154997"/>
+            <a:ext cx="3194221" cy="3194221"/>
           </a:xfrm>
           <a:prstGeom prst="rect">
             <a:avLst/>
           </a:prstGeom>
         </p:spPr>
       </p:pic>
-      <p:pic>
-        <p:nvPicPr>
-          <p:cNvPr id="5" name="Image 4">
-            <a:extLst>
-              <a:ext uri="{FF2B5EF4-FFF2-40B4-BE49-F238E27FC236}">
-                <a16:creationId xmlns:a16="http://schemas.microsoft.com/office/drawing/2014/main" id="{5B7DA96D-4572-4C7F-9101-52FA664682A0}"/>
-              </a:ext>
-            </a:extLst>
-          </p:cNvPr>
-          <p:cNvPicPr>
-            <a:picLocks noChangeAspect="1"/>
-          </p:cNvPicPr>
-          <p:nvPr/>
-        </p:nvPicPr>
-        <p:blipFill>
-          <a:blip r:embed="rId6">
-            <a:extLst>
-              <a:ext uri="{28A0092B-C50C-407E-A947-70E740481C1C}">
-                <a14:useLocalDpi xmlns:a14="http://schemas.microsoft.com/office/drawing/2010/main" val="0"/>
-              </a:ext>
-            </a:extLst>
-          </a:blip>
-          <a:stretch>
-            <a:fillRect/>
-          </a:stretch>
-        </p:blipFill>
+      <p:sp>
+        <p:nvSpPr>
+          <p:cNvPr id="29" name="ZoneTexte 28">
+            <a:extLst>
+              <a:ext uri="{FF2B5EF4-FFF2-40B4-BE49-F238E27FC236}">
+                <a16:creationId xmlns:a16="http://schemas.microsoft.com/office/drawing/2014/main" id="{3FFA1C09-89E0-465C-B7E9-74870C1292A4}"/>
+              </a:ext>
+            </a:extLst>
+          </p:cNvPr>
+          <p:cNvSpPr txBox="1"/>
+          <p:nvPr>
+            <p:custDataLst>
+              <p:tags r:id="rId8"/>
+            </p:custDataLst>
+          </p:nvPr>
+        </p:nvSpPr>
         <p:spPr>
           <a:xfrm>
-            <a:off x="10758616" y="-275037"/>
-            <a:ext cx="1433384" cy="1433384"/>
+            <a:off x="6330777" y="2830822"/>
+            <a:ext cx="5861222" cy="1477328"/>
           </a:xfrm>
           <a:prstGeom prst="rect">
             <a:avLst/>
           </a:prstGeom>
-        </p:spPr>
-      </p:pic>
+          <a:noFill/>
+        </p:spPr>
+        <p:txBody>
+          <a:bodyPr wrap="square" rtlCol="0">
+            <a:spAutoFit/>
+          </a:bodyPr>
+          <a:lstStyle/>
+          <a:p>
+            <a:pPr algn="ctr"/>
+            <a:r>
+              <a:rPr lang="fr-FR" dirty="0">
+                <a:latin typeface="Berlin Sans FB" panose="020E0602020502020306" pitchFamily="34" charset="0"/>
+              </a:rPr>
+              <a:t>Rappel de la thématique et du titre.</a:t>
+            </a:r>
+          </a:p>
+          <a:p>
+            <a:pPr algn="ctr"/>
+            <a:endParaRPr lang="fr-FR" dirty="0">
+              <a:latin typeface="Berlin Sans FB" panose="020E0602020502020306" pitchFamily="34" charset="0"/>
+            </a:endParaRPr>
+          </a:p>
+          <a:p>
+            <a:pPr algn="ctr"/>
+            <a:r>
+              <a:rPr lang="fr-FR" dirty="0">
+                <a:latin typeface="Berlin Sans FB" panose="020E0602020502020306" pitchFamily="34" charset="0"/>
+              </a:rPr>
+              <a:t>Rappel aspect humoristique.</a:t>
+            </a:r>
+          </a:p>
+          <a:p>
+            <a:pPr algn="ctr"/>
+            <a:endParaRPr lang="fr-FR" dirty="0">
+              <a:latin typeface="Berlin Sans FB" panose="020E0602020502020306" pitchFamily="34" charset="0"/>
+            </a:endParaRPr>
+          </a:p>
+          <a:p>
+            <a:pPr algn="ctr"/>
+            <a:r>
+              <a:rPr lang="fr-FR" dirty="0">
+                <a:latin typeface="Berlin Sans FB" panose="020E0602020502020306" pitchFamily="34" charset="0"/>
+              </a:rPr>
+              <a:t>Aspect simple et épuré.</a:t>
+            </a:r>
+          </a:p>
+        </p:txBody>
+      </p:sp>
     </p:spTree>
     <p:extLst>
       <p:ext uri="{BB962C8B-B14F-4D97-AF65-F5344CB8AC3E}">
-        <p14:creationId xmlns:p14="http://schemas.microsoft.com/office/powerpoint/2010/main" val="1657807635"/>
+        <p14:creationId xmlns:p14="http://schemas.microsoft.com/office/powerpoint/2010/main" val="3022427990"/>
       </p:ext>
     </p:extLst>
   </p:cSld>
@@ -6609,7 +7022,7 @@
         </p:nvSpPr>
         <p:spPr>
           <a:xfrm>
-            <a:off x="0" y="337744"/>
+            <a:off x="0" y="357220"/>
             <a:ext cx="12192000" cy="923330"/>
           </a:xfrm>
           <a:prstGeom prst="rect">
@@ -6660,8 +7073,8 @@
         </p:nvSpPr>
         <p:spPr>
           <a:xfrm>
-            <a:off x="469557" y="1641821"/>
-            <a:ext cx="5391664" cy="584775"/>
+            <a:off x="0" y="1694131"/>
+            <a:ext cx="12191999" cy="584775"/>
           </a:xfrm>
           <a:prstGeom prst="rect">
             <a:avLst/>
@@ -6692,7 +7105,7 @@
                 </a:effectLst>
                 <a:latin typeface="Berlin Sans FB" panose="020E0602020502020306" pitchFamily="34" charset="0"/>
               </a:rPr>
-              <a:t>Titre</a:t>
+              <a:t>Références</a:t>
             </a:r>
           </a:p>
         </p:txBody>
@@ -6715,7 +7128,7 @@
         </p:nvSpPr>
         <p:spPr>
           <a:xfrm>
-            <a:off x="469557" y="2681649"/>
+            <a:off x="704335" y="2616901"/>
             <a:ext cx="5391664" cy="461665"/>
           </a:xfrm>
           <a:prstGeom prst="rect">
@@ -6744,71 +7157,7 @@
                 </a:effectLst>
                 <a:latin typeface="Berlin Sans FB" panose="020E0602020502020306" pitchFamily="34" charset="0"/>
               </a:rPr>
-              <a:t>Protect</a:t>
-            </a:r>
-            <a:r>
-              <a:rPr lang="fr-FR" sz="2400" dirty="0">
-                <a:solidFill>
-                  <a:schemeClr val="bg1"/>
-                </a:solidFill>
-                <a:effectLst>
-                  <a:outerShdw blurRad="38100" dist="38100" dir="2700000" algn="tl">
-                    <a:srgbClr val="000000">
-                      <a:alpha val="43137"/>
-                    </a:srgbClr>
-                  </a:outerShdw>
-                </a:effectLst>
-                <a:latin typeface="Berlin Sans FB" panose="020E0602020502020306" pitchFamily="34" charset="0"/>
-              </a:rPr>
-              <a:t> </a:t>
-            </a:r>
-            <a:r>
-              <a:rPr lang="fr-FR" sz="2400" dirty="0" err="1">
-                <a:solidFill>
-                  <a:schemeClr val="bg1"/>
-                </a:solidFill>
-                <a:effectLst>
-                  <a:outerShdw blurRad="38100" dist="38100" dir="2700000" algn="tl">
-                    <a:srgbClr val="000000">
-                      <a:alpha val="43137"/>
-                    </a:srgbClr>
-                  </a:outerShdw>
-                </a:effectLst>
-                <a:latin typeface="Berlin Sans FB" panose="020E0602020502020306" pitchFamily="34" charset="0"/>
-              </a:rPr>
-              <a:t>Your</a:t>
-            </a:r>
-            <a:r>
-              <a:rPr lang="fr-FR" sz="2400" dirty="0">
-                <a:solidFill>
-                  <a:schemeClr val="bg1"/>
-                </a:solidFill>
-                <a:effectLst>
-                  <a:outerShdw blurRad="38100" dist="38100" dir="2700000" algn="tl">
-                    <a:srgbClr val="000000">
-                      <a:alpha val="43137"/>
-                    </a:srgbClr>
-                  </a:outerShdw>
-                </a:effectLst>
-                <a:latin typeface="Berlin Sans FB" panose="020E0602020502020306" pitchFamily="34" charset="0"/>
-              </a:rPr>
-              <a:t> </a:t>
-            </a:r>
-            <a:r>
-              <a:rPr lang="fr-FR" sz="2400" dirty="0" err="1">
-                <a:solidFill>
-                  <a:schemeClr val="bg1"/>
-                </a:solidFill>
-                <a:effectLst>
-                  <a:outerShdw blurRad="38100" dist="38100" dir="2700000" algn="tl">
-                    <a:srgbClr val="000000">
-                      <a:alpha val="43137"/>
-                    </a:srgbClr>
-                  </a:outerShdw>
-                </a:effectLst>
-                <a:latin typeface="Berlin Sans FB" panose="020E0602020502020306" pitchFamily="34" charset="0"/>
-              </a:rPr>
-              <a:t>Womanizer</a:t>
+              <a:t>Gigantic</a:t>
             </a:r>
             <a:endParaRPr lang="fr-FR" sz="2400" dirty="0">
               <a:solidFill>
@@ -6828,10 +7177,10 @@
       </p:sp>
       <p:sp>
         <p:nvSpPr>
-          <p:cNvPr id="9" name="ZoneTexte 8">
-            <a:extLst>
-              <a:ext uri="{FF2B5EF4-FFF2-40B4-BE49-F238E27FC236}">
-                <a16:creationId xmlns:a16="http://schemas.microsoft.com/office/drawing/2014/main" id="{38BB7812-5504-4BBC-B7A2-3BC91700C060}"/>
+          <p:cNvPr id="12" name="ZoneTexte 11">
+            <a:extLst>
+              <a:ext uri="{FF2B5EF4-FFF2-40B4-BE49-F238E27FC236}">
+                <a16:creationId xmlns:a16="http://schemas.microsoft.com/office/drawing/2014/main" id="{57CA469E-1CCA-4455-977D-75527717304D}"/>
               </a:ext>
             </a:extLst>
           </p:cNvPr>
@@ -6844,8 +7193,8 @@
         </p:nvSpPr>
         <p:spPr>
           <a:xfrm>
-            <a:off x="469557" y="4457323"/>
-            <a:ext cx="5391664" cy="2308324"/>
+            <a:off x="6734435" y="2616902"/>
+            <a:ext cx="4798534" cy="461665"/>
           </a:xfrm>
           <a:prstGeom prst="rect">
             <a:avLst/>
@@ -6860,94 +7209,7 @@
           <a:p>
             <a:pPr algn="ctr"/>
             <a:r>
-              <a:rPr lang="fr-FR" dirty="0">
-                <a:latin typeface="Berlin Sans FB" panose="020E0602020502020306" pitchFamily="34" charset="0"/>
-              </a:rPr>
-              <a:t>Rappel de l’ambiance de l’objectif du jeu.</a:t>
-            </a:r>
-          </a:p>
-          <a:p>
-            <a:pPr algn="ctr"/>
-            <a:endParaRPr lang="fr-FR" dirty="0">
-              <a:latin typeface="Berlin Sans FB" panose="020E0602020502020306" pitchFamily="34" charset="0"/>
-            </a:endParaRPr>
-          </a:p>
-          <a:p>
-            <a:pPr algn="ctr"/>
-            <a:r>
-              <a:rPr lang="fr-FR" dirty="0">
-                <a:latin typeface="Berlin Sans FB" panose="020E0602020502020306" pitchFamily="34" charset="0"/>
-              </a:rPr>
-              <a:t>Rappel de l’aspect humoristique du jeu.</a:t>
-            </a:r>
-          </a:p>
-          <a:p>
-            <a:pPr algn="ctr"/>
-            <a:endParaRPr lang="fr-FR" dirty="0">
-              <a:latin typeface="Berlin Sans FB" panose="020E0602020502020306" pitchFamily="34" charset="0"/>
-            </a:endParaRPr>
-          </a:p>
-          <a:p>
-            <a:pPr algn="ctr"/>
-            <a:r>
-              <a:rPr lang="fr-FR" dirty="0">
-                <a:latin typeface="Berlin Sans FB" panose="020E0602020502020306" pitchFamily="34" charset="0"/>
-              </a:rPr>
-              <a:t>Rappel de la position du joueur dans le jeu (position divine/sauveur).</a:t>
-            </a:r>
-          </a:p>
-          <a:p>
-            <a:pPr algn="ctr"/>
-            <a:endParaRPr lang="fr-FR" dirty="0">
-              <a:latin typeface="Berlin Sans FB" panose="020E0602020502020306" pitchFamily="34" charset="0"/>
-            </a:endParaRPr>
-          </a:p>
-          <a:p>
-            <a:pPr algn="ctr"/>
-            <a:r>
-              <a:rPr lang="fr-FR" dirty="0">
-                <a:latin typeface="Berlin Sans FB" panose="020E0602020502020306" pitchFamily="34" charset="0"/>
-              </a:rPr>
-              <a:t>Synthétise le concept du jeu.</a:t>
-            </a:r>
-          </a:p>
-        </p:txBody>
-      </p:sp>
-      <p:sp>
-        <p:nvSpPr>
-          <p:cNvPr id="12" name="ZoneTexte 11">
-            <a:extLst>
-              <a:ext uri="{FF2B5EF4-FFF2-40B4-BE49-F238E27FC236}">
-                <a16:creationId xmlns:a16="http://schemas.microsoft.com/office/drawing/2014/main" id="{57CA469E-1CCA-4455-977D-75527717304D}"/>
-              </a:ext>
-            </a:extLst>
-          </p:cNvPr>
-          <p:cNvSpPr txBox="1"/>
-          <p:nvPr>
-            <p:custDataLst>
-              <p:tags r:id="rId5"/>
-            </p:custDataLst>
-          </p:nvPr>
-        </p:nvSpPr>
-        <p:spPr>
-          <a:xfrm>
-            <a:off x="469557" y="3569486"/>
-            <a:ext cx="5391664" cy="461665"/>
-          </a:xfrm>
-          <a:prstGeom prst="rect">
-            <a:avLst/>
-          </a:prstGeom>
-          <a:noFill/>
-        </p:spPr>
-        <p:txBody>
-          <a:bodyPr wrap="square" rtlCol="0">
-            <a:spAutoFit/>
-          </a:bodyPr>
-          <a:lstStyle/>
-          <a:p>
-            <a:pPr algn="ctr"/>
-            <a:r>
-              <a:rPr lang="fr-FR" sz="2400" dirty="0">
+              <a:rPr lang="fr-FR" sz="2400" dirty="0" err="1">
                 <a:solidFill>
                   <a:schemeClr val="bg1"/>
                 </a:solidFill>
@@ -6960,51 +7222,12 @@
                 </a:effectLst>
                 <a:latin typeface="Berlin Sans FB" panose="020E0602020502020306" pitchFamily="34" charset="0"/>
               </a:rPr>
-              <a:t>« Protège ton dragueur »</a:t>
-            </a:r>
-          </a:p>
-        </p:txBody>
-      </p:sp>
-      <p:sp>
-        <p:nvSpPr>
-          <p:cNvPr id="26" name="ZoneTexte 25">
-            <a:extLst>
-              <a:ext uri="{FF2B5EF4-FFF2-40B4-BE49-F238E27FC236}">
-                <a16:creationId xmlns:a16="http://schemas.microsoft.com/office/drawing/2014/main" id="{B06710B2-6028-4962-8DD1-8D4CA092C0B1}"/>
-              </a:ext>
-            </a:extLst>
-          </p:cNvPr>
-          <p:cNvSpPr txBox="1"/>
-          <p:nvPr>
-            <p:custDataLst>
-              <p:tags r:id="rId6"/>
-            </p:custDataLst>
-          </p:nvPr>
-        </p:nvSpPr>
-        <p:spPr>
-          <a:xfrm>
-            <a:off x="6330778" y="1633113"/>
-            <a:ext cx="5861222" cy="584775"/>
-          </a:xfrm>
-          <a:prstGeom prst="rect">
-            <a:avLst/>
-          </a:prstGeom>
-          <a:noFill/>
-        </p:spPr>
-        <p:txBody>
-          <a:bodyPr wrap="square" rtlCol="0">
-            <a:spAutoFit/>
-          </a:bodyPr>
-          <a:lstStyle/>
-          <a:p>
-            <a:pPr algn="ctr"/>
-            <a:r>
-              <a:rPr lang="fr-FR" sz="3200" dirty="0">
-                <a:solidFill>
-                  <a:schemeClr val="accent4">
-                    <a:lumMod val="40000"/>
-                    <a:lumOff val="60000"/>
-                  </a:schemeClr>
+              <a:t>Dumb</a:t>
+            </a:r>
+            <a:r>
+              <a:rPr lang="fr-FR" sz="2400" dirty="0">
+                <a:solidFill>
+                  <a:schemeClr val="bg1"/>
                 </a:solidFill>
                 <a:effectLst>
                   <a:outerShdw blurRad="38100" dist="38100" dir="2700000" algn="tl">
@@ -7015,31 +7238,188 @@
                 </a:effectLst>
                 <a:latin typeface="Berlin Sans FB" panose="020E0602020502020306" pitchFamily="34" charset="0"/>
               </a:rPr>
-              <a:t>Logo</a:t>
+              <a:t> </a:t>
+            </a:r>
+            <a:r>
+              <a:rPr lang="fr-FR" sz="2400" dirty="0" err="1">
+                <a:solidFill>
+                  <a:schemeClr val="bg1"/>
+                </a:solidFill>
+                <a:effectLst>
+                  <a:outerShdw blurRad="38100" dist="38100" dir="2700000" algn="tl">
+                    <a:srgbClr val="000000">
+                      <a:alpha val="43137"/>
+                    </a:srgbClr>
+                  </a:outerShdw>
+                </a:effectLst>
+                <a:latin typeface="Berlin Sans FB" panose="020E0602020502020306" pitchFamily="34" charset="0"/>
+              </a:rPr>
+              <a:t>ways</a:t>
+            </a:r>
+            <a:r>
+              <a:rPr lang="fr-FR" sz="2400" dirty="0">
+                <a:solidFill>
+                  <a:schemeClr val="bg1"/>
+                </a:solidFill>
+                <a:effectLst>
+                  <a:outerShdw blurRad="38100" dist="38100" dir="2700000" algn="tl">
+                    <a:srgbClr val="000000">
+                      <a:alpha val="43137"/>
+                    </a:srgbClr>
+                  </a:outerShdw>
+                </a:effectLst>
+                <a:latin typeface="Berlin Sans FB" panose="020E0602020502020306" pitchFamily="34" charset="0"/>
+              </a:rPr>
+              <a:t> to die</a:t>
             </a:r>
           </a:p>
         </p:txBody>
       </p:sp>
       <p:pic>
         <p:nvPicPr>
-          <p:cNvPr id="28" name="Image 27">
-            <a:extLst>
-              <a:ext uri="{FF2B5EF4-FFF2-40B4-BE49-F238E27FC236}">
-                <a16:creationId xmlns:a16="http://schemas.microsoft.com/office/drawing/2014/main" id="{85C746D0-2C0D-4C4B-A5BE-3B249DD7AB4D}"/>
+          <p:cNvPr id="17" name="Image 16">
+            <a:extLst>
+              <a:ext uri="{FF2B5EF4-FFF2-40B4-BE49-F238E27FC236}">
+                <a16:creationId xmlns:a16="http://schemas.microsoft.com/office/drawing/2014/main" id="{108D094C-43DC-4A28-9A82-0B204C17A533}"/>
+              </a:ext>
+            </a:extLst>
+          </p:cNvPr>
+          <p:cNvPicPr/>
+          <p:nvPr>
+            <p:custDataLst>
+              <p:tags r:id="rId5"/>
+            </p:custDataLst>
+          </p:nvPr>
+        </p:nvPicPr>
+        <p:blipFill>
+          <a:blip r:embed="rId9" cstate="hqprint">
+            <a:extLst>
+              <a:ext uri="{28A0092B-C50C-407E-A947-70E740481C1C}">
+                <a14:useLocalDpi xmlns:a14="http://schemas.microsoft.com/office/drawing/2010/main" val="0"/>
+              </a:ext>
+            </a:extLst>
+          </a:blip>
+          <a:srcRect/>
+          <a:stretch>
+            <a:fillRect/>
+          </a:stretch>
+        </p:blipFill>
+        <p:spPr bwMode="auto">
+          <a:xfrm>
+            <a:off x="469304" y="3471405"/>
+            <a:ext cx="2380993" cy="2380993"/>
+          </a:xfrm>
+          <a:prstGeom prst="rect">
+            <a:avLst/>
+          </a:prstGeom>
+          <a:noFill/>
+          <a:ln>
+            <a:noFill/>
+          </a:ln>
+        </p:spPr>
+      </p:pic>
+      <p:pic>
+        <p:nvPicPr>
+          <p:cNvPr id="20" name="Image 19">
+            <a:extLst>
+              <a:ext uri="{FF2B5EF4-FFF2-40B4-BE49-F238E27FC236}">
+                <a16:creationId xmlns:a16="http://schemas.microsoft.com/office/drawing/2014/main" id="{E233B454-8182-4282-9955-EC839F957826}"/>
+              </a:ext>
+            </a:extLst>
+          </p:cNvPr>
+          <p:cNvPicPr/>
+          <p:nvPr>
+            <p:custDataLst>
+              <p:tags r:id="rId6"/>
+            </p:custDataLst>
+          </p:nvPr>
+        </p:nvPicPr>
+        <p:blipFill>
+          <a:blip r:embed="rId10" cstate="hqprint">
+            <a:extLst>
+              <a:ext uri="{28A0092B-C50C-407E-A947-70E740481C1C}">
+                <a14:useLocalDpi xmlns:a14="http://schemas.microsoft.com/office/drawing/2010/main" val="0"/>
+              </a:ext>
+            </a:extLst>
+          </a:blip>
+          <a:srcRect/>
+          <a:stretch>
+            <a:fillRect/>
+          </a:stretch>
+        </p:blipFill>
+        <p:spPr bwMode="auto">
+          <a:xfrm>
+            <a:off x="3023035" y="3468576"/>
+            <a:ext cx="2397211" cy="2386649"/>
+          </a:xfrm>
+          <a:prstGeom prst="rect">
+            <a:avLst/>
+          </a:prstGeom>
+          <a:noFill/>
+          <a:ln>
+            <a:noFill/>
+          </a:ln>
+        </p:spPr>
+      </p:pic>
+      <p:pic>
+        <p:nvPicPr>
+          <p:cNvPr id="21" name="Image 20" descr="Dumb Ways to die, le nouveau jeu phénomène qui fait un carton ...">
+            <a:extLst>
+              <a:ext uri="{FF2B5EF4-FFF2-40B4-BE49-F238E27FC236}">
+                <a16:creationId xmlns:a16="http://schemas.microsoft.com/office/drawing/2014/main" id="{5FD89B6F-9767-4098-B6D9-ABEA5157E634}"/>
+              </a:ext>
+            </a:extLst>
+          </p:cNvPr>
+          <p:cNvPicPr/>
+          <p:nvPr>
+            <p:custDataLst>
+              <p:tags r:id="rId7"/>
+            </p:custDataLst>
+          </p:nvPr>
+        </p:nvPicPr>
+        <p:blipFill>
+          <a:blip r:embed="rId11" cstate="print">
+            <a:extLst>
+              <a:ext uri="{28A0092B-C50C-407E-A947-70E740481C1C}">
+                <a14:useLocalDpi xmlns:a14="http://schemas.microsoft.com/office/drawing/2010/main" val="0"/>
+              </a:ext>
+            </a:extLst>
+          </a:blip>
+          <a:srcRect/>
+          <a:stretch>
+            <a:fillRect/>
+          </a:stretch>
+        </p:blipFill>
+        <p:spPr bwMode="auto">
+          <a:xfrm>
+            <a:off x="7233464" y="3491045"/>
+            <a:ext cx="3800475" cy="2374900"/>
+          </a:xfrm>
+          <a:prstGeom prst="rect">
+            <a:avLst/>
+          </a:prstGeom>
+          <a:noFill/>
+          <a:ln>
+            <a:noFill/>
+          </a:ln>
+        </p:spPr>
+      </p:pic>
+      <p:pic>
+        <p:nvPicPr>
+          <p:cNvPr id="9" name="Image 8">
+            <a:extLst>
+              <a:ext uri="{FF2B5EF4-FFF2-40B4-BE49-F238E27FC236}">
+                <a16:creationId xmlns:a16="http://schemas.microsoft.com/office/drawing/2014/main" id="{4483E680-2526-4882-8B44-EBEAFDE37DB0}"/>
               </a:ext>
             </a:extLst>
           </p:cNvPr>
           <p:cNvPicPr>
             <a:picLocks noChangeAspect="1"/>
           </p:cNvPicPr>
-          <p:nvPr>
-            <p:custDataLst>
-              <p:tags r:id="rId7"/>
-            </p:custDataLst>
-          </p:nvPr>
+          <p:nvPr/>
         </p:nvPicPr>
         <p:blipFill>
-          <a:blip r:embed="rId10">
+          <a:blip r:embed="rId12">
             <a:extLst>
               <a:ext uri="{28A0092B-C50C-407E-A947-70E740481C1C}">
                 <a14:useLocalDpi xmlns:a14="http://schemas.microsoft.com/office/drawing/2010/main" val="0"/>
@@ -7052,90 +7432,18 @@
         </p:blipFill>
         <p:spPr>
           <a:xfrm>
-            <a:off x="7664277" y="4154997"/>
-            <a:ext cx="3194221" cy="3194221"/>
+            <a:off x="10758616" y="-275037"/>
+            <a:ext cx="1433384" cy="1433384"/>
           </a:xfrm>
           <a:prstGeom prst="rect">
             <a:avLst/>
           </a:prstGeom>
         </p:spPr>
       </p:pic>
-      <p:sp>
-        <p:nvSpPr>
-          <p:cNvPr id="29" name="ZoneTexte 28">
-            <a:extLst>
-              <a:ext uri="{FF2B5EF4-FFF2-40B4-BE49-F238E27FC236}">
-                <a16:creationId xmlns:a16="http://schemas.microsoft.com/office/drawing/2014/main" id="{3FFA1C09-89E0-465C-B7E9-74870C1292A4}"/>
-              </a:ext>
-            </a:extLst>
-          </p:cNvPr>
-          <p:cNvSpPr txBox="1"/>
-          <p:nvPr>
-            <p:custDataLst>
-              <p:tags r:id="rId8"/>
-            </p:custDataLst>
-          </p:nvPr>
-        </p:nvSpPr>
-        <p:spPr>
-          <a:xfrm>
-            <a:off x="6330777" y="2830822"/>
-            <a:ext cx="5861222" cy="1477328"/>
-          </a:xfrm>
-          <a:prstGeom prst="rect">
-            <a:avLst/>
-          </a:prstGeom>
-          <a:noFill/>
-        </p:spPr>
-        <p:txBody>
-          <a:bodyPr wrap="square" rtlCol="0">
-            <a:spAutoFit/>
-          </a:bodyPr>
-          <a:lstStyle/>
-          <a:p>
-            <a:pPr algn="ctr"/>
-            <a:r>
-              <a:rPr lang="fr-FR" dirty="0">
-                <a:latin typeface="Berlin Sans FB" panose="020E0602020502020306" pitchFamily="34" charset="0"/>
-              </a:rPr>
-              <a:t>Rappel de la thématique et du titre.</a:t>
-            </a:r>
-          </a:p>
-          <a:p>
-            <a:pPr algn="ctr"/>
-            <a:endParaRPr lang="fr-FR" dirty="0">
-              <a:latin typeface="Berlin Sans FB" panose="020E0602020502020306" pitchFamily="34" charset="0"/>
-            </a:endParaRPr>
-          </a:p>
-          <a:p>
-            <a:pPr algn="ctr"/>
-            <a:r>
-              <a:rPr lang="fr-FR" dirty="0">
-                <a:latin typeface="Berlin Sans FB" panose="020E0602020502020306" pitchFamily="34" charset="0"/>
-              </a:rPr>
-              <a:t>Rappel aspect humoristique.</a:t>
-            </a:r>
-          </a:p>
-          <a:p>
-            <a:pPr algn="ctr"/>
-            <a:endParaRPr lang="fr-FR" dirty="0">
-              <a:latin typeface="Berlin Sans FB" panose="020E0602020502020306" pitchFamily="34" charset="0"/>
-            </a:endParaRPr>
-          </a:p>
-          <a:p>
-            <a:pPr algn="ctr"/>
-            <a:r>
-              <a:rPr lang="fr-FR" dirty="0">
-                <a:latin typeface="Berlin Sans FB" panose="020E0602020502020306" pitchFamily="34" charset="0"/>
-              </a:rPr>
-              <a:t>Aspect simple et épuré.</a:t>
-            </a:r>
-          </a:p>
-        </p:txBody>
-      </p:sp>
     </p:spTree>
     <p:extLst>
       <p:ext uri="{BB962C8B-B14F-4D97-AF65-F5344CB8AC3E}">
-        <p14:creationId xmlns:p14="http://schemas.microsoft.com/office/powerpoint/2010/main" val="3022427990"/>
+        <p14:creationId xmlns:p14="http://schemas.microsoft.com/office/powerpoint/2010/main" val="1458720274"/>
       </p:ext>
     </p:extLst>
   </p:cSld>
@@ -7188,7 +7496,7 @@
         </p:nvSpPr>
         <p:spPr>
           <a:xfrm>
-            <a:off x="0" y="357220"/>
+            <a:off x="0" y="411887"/>
             <a:ext cx="12192000" cy="923330"/>
           </a:xfrm>
           <a:prstGeom prst="rect">
@@ -7216,17 +7524,17 @@
                   </a:outerShdw>
                 </a:effectLst>
               </a:rPr>
-              <a:t>Direction Artistique</a:t>
-            </a:r>
-          </a:p>
-        </p:txBody>
-      </p:sp>
-      <p:sp>
-        <p:nvSpPr>
-          <p:cNvPr id="10" name="ZoneTexte 9">
-            <a:extLst>
-              <a:ext uri="{FF2B5EF4-FFF2-40B4-BE49-F238E27FC236}">
-                <a16:creationId xmlns:a16="http://schemas.microsoft.com/office/drawing/2014/main" id="{FC1AD9EF-BDA5-480F-87C0-2B77A1F687ED}"/>
+              <a:t>Post-Mortem</a:t>
+            </a:r>
+          </a:p>
+        </p:txBody>
+      </p:sp>
+      <p:sp>
+        <p:nvSpPr>
+          <p:cNvPr id="7" name="ZoneTexte 6">
+            <a:extLst>
+              <a:ext uri="{FF2B5EF4-FFF2-40B4-BE49-F238E27FC236}">
+                <a16:creationId xmlns:a16="http://schemas.microsoft.com/office/drawing/2014/main" id="{49F2C682-97F3-4994-9F9E-86BFDBA1E0A9}"/>
               </a:ext>
             </a:extLst>
           </p:cNvPr>
@@ -7239,8 +7547,8 @@
         </p:nvSpPr>
         <p:spPr>
           <a:xfrm>
-            <a:off x="0" y="1694131"/>
-            <a:ext cx="12191999" cy="584775"/>
+            <a:off x="840259" y="1647555"/>
+            <a:ext cx="10511482" cy="923330"/>
           </a:xfrm>
           <a:prstGeom prst="rect">
             <a:avLst/>
@@ -7255,12 +7563,9 @@
           <a:p>
             <a:pPr algn="ctr"/>
             <a:r>
-              <a:rPr lang="fr-FR" sz="3200" dirty="0">
-                <a:solidFill>
-                  <a:schemeClr val="accent4">
-                    <a:lumMod val="40000"/>
-                    <a:lumOff val="60000"/>
-                  </a:schemeClr>
+              <a:rPr lang="fr-FR" sz="3600" dirty="0">
+                <a:solidFill>
+                  <a:schemeClr val="bg1"/>
                 </a:solidFill>
                 <a:effectLst>
                   <a:outerShdw blurRad="38100" dist="38100" dir="2700000" algn="tl">
@@ -7271,17 +7576,28 @@
                 </a:effectLst>
                 <a:latin typeface="Berlin Sans FB" panose="020E0602020502020306" pitchFamily="34" charset="0"/>
               </a:rPr>
-              <a:t>Références</a:t>
-            </a:r>
-          </a:p>
-        </p:txBody>
-      </p:sp>
-      <p:sp>
-        <p:nvSpPr>
-          <p:cNvPr id="5" name="ZoneTexte 4">
-            <a:extLst>
-              <a:ext uri="{FF2B5EF4-FFF2-40B4-BE49-F238E27FC236}">
-                <a16:creationId xmlns:a16="http://schemas.microsoft.com/office/drawing/2014/main" id="{57496AE6-554E-4693-B52B-F203C1A50906}"/>
+              <a:t>Difficultés rencontrées</a:t>
+            </a:r>
+          </a:p>
+          <a:p>
+            <a:pPr algn="ctr"/>
+            <a:endParaRPr lang="fr-FR" dirty="0">
+              <a:solidFill>
+                <a:schemeClr val="bg2">
+                  <a:lumMod val="25000"/>
+                </a:schemeClr>
+              </a:solidFill>
+              <a:latin typeface="Berlin Sans FB" panose="020E0602020502020306" pitchFamily="34" charset="0"/>
+            </a:endParaRPr>
+          </a:p>
+        </p:txBody>
+      </p:sp>
+      <p:sp>
+        <p:nvSpPr>
+          <p:cNvPr id="10" name="ZoneTexte 9">
+            <a:extLst>
+              <a:ext uri="{FF2B5EF4-FFF2-40B4-BE49-F238E27FC236}">
+                <a16:creationId xmlns:a16="http://schemas.microsoft.com/office/drawing/2014/main" id="{F65D223A-FC7B-4433-8867-C33B70E1BB25}"/>
               </a:ext>
             </a:extLst>
           </p:cNvPr>
@@ -7294,8 +7610,8 @@
         </p:nvSpPr>
         <p:spPr>
           <a:xfrm>
-            <a:off x="704335" y="2616901"/>
-            <a:ext cx="5391664" cy="461665"/>
+            <a:off x="1120346" y="2799477"/>
+            <a:ext cx="9951308" cy="3416320"/>
           </a:xfrm>
           <a:prstGeom prst="rect">
             <a:avLst/>
@@ -7308,11 +7624,14 @@
           </a:bodyPr>
           <a:lstStyle/>
           <a:p>
-            <a:pPr algn="ctr"/>
-            <a:r>
-              <a:rPr lang="fr-FR" sz="2400" dirty="0" err="1">
-                <a:solidFill>
-                  <a:schemeClr val="bg1"/>
+            <a:pPr marL="285750" indent="-285750">
+              <a:buFontTx/>
+              <a:buChar char="-"/>
+            </a:pPr>
+            <a:r>
+              <a:rPr lang="fr-FR" dirty="0">
+                <a:solidFill>
+                  <a:srgbClr val="92D050"/>
                 </a:solidFill>
                 <a:effectLst>
                   <a:outerShdw blurRad="38100" dist="38100" dir="2700000" algn="tl">
@@ -7323,11 +7642,19 @@
                 </a:effectLst>
                 <a:latin typeface="Berlin Sans FB" panose="020E0602020502020306" pitchFamily="34" charset="0"/>
               </a:rPr>
-              <a:t>Gigantic</a:t>
-            </a:r>
-            <a:endParaRPr lang="fr-FR" sz="2400" dirty="0">
+              <a:t>Le temps imparti à gérer</a:t>
+            </a:r>
+          </a:p>
+          <a:p>
+            <a:pPr marL="285750" indent="-285750">
+              <a:buFontTx/>
+              <a:buChar char="-"/>
+            </a:pPr>
+            <a:endParaRPr lang="fr-FR" dirty="0">
               <a:solidFill>
-                <a:schemeClr val="bg1"/>
+                <a:schemeClr val="bg2">
+                  <a:lumMod val="25000"/>
+                </a:schemeClr>
               </a:solidFill>
               <a:effectLst>
                 <a:outerShdw blurRad="38100" dist="38100" dir="2700000" algn="tl">
@@ -7339,45 +7666,15 @@
               <a:latin typeface="Berlin Sans FB" panose="020E0602020502020306" pitchFamily="34" charset="0"/>
             </a:endParaRPr>
           </a:p>
-        </p:txBody>
-      </p:sp>
-      <p:sp>
-        <p:nvSpPr>
-          <p:cNvPr id="12" name="ZoneTexte 11">
-            <a:extLst>
-              <a:ext uri="{FF2B5EF4-FFF2-40B4-BE49-F238E27FC236}">
-                <a16:creationId xmlns:a16="http://schemas.microsoft.com/office/drawing/2014/main" id="{57CA469E-1CCA-4455-977D-75527717304D}"/>
-              </a:ext>
-            </a:extLst>
-          </p:cNvPr>
-          <p:cNvSpPr txBox="1"/>
-          <p:nvPr>
-            <p:custDataLst>
-              <p:tags r:id="rId4"/>
-            </p:custDataLst>
-          </p:nvPr>
-        </p:nvSpPr>
-        <p:spPr>
-          <a:xfrm>
-            <a:off x="6734435" y="2616902"/>
-            <a:ext cx="4798534" cy="461665"/>
-          </a:xfrm>
-          <a:prstGeom prst="rect">
-            <a:avLst/>
-          </a:prstGeom>
-          <a:noFill/>
-        </p:spPr>
-        <p:txBody>
-          <a:bodyPr wrap="square" rtlCol="0">
-            <a:spAutoFit/>
-          </a:bodyPr>
-          <a:lstStyle/>
-          <a:p>
-            <a:pPr algn="ctr"/>
-            <a:r>
-              <a:rPr lang="fr-FR" sz="2400" dirty="0" err="1">
-                <a:solidFill>
-                  <a:schemeClr val="bg1"/>
+          <a:p>
+            <a:pPr marL="285750" indent="-285750">
+              <a:buFontTx/>
+              <a:buChar char="-"/>
+            </a:pPr>
+            <a:r>
+              <a:rPr lang="fr-FR" dirty="0">
+                <a:solidFill>
+                  <a:srgbClr val="D86E6E"/>
                 </a:solidFill>
                 <a:effectLst>
                   <a:outerShdw blurRad="38100" dist="38100" dir="2700000" algn="tl">
@@ -7388,12 +7685,12 @@
                 </a:effectLst>
                 <a:latin typeface="Berlin Sans FB" panose="020E0602020502020306" pitchFamily="34" charset="0"/>
               </a:rPr>
-              <a:t>Dumb</a:t>
-            </a:r>
-            <a:r>
-              <a:rPr lang="fr-FR" sz="2400" dirty="0">
-                <a:solidFill>
-                  <a:schemeClr val="bg1"/>
+              <a:t>La recherche d’idées </a:t>
+            </a:r>
+            <a:r>
+              <a:rPr lang="fr-FR">
+                <a:solidFill>
+                  <a:srgbClr val="D86E6E"/>
                 </a:solidFill>
                 <a:effectLst>
                   <a:outerShdw blurRad="38100" dist="38100" dir="2700000" algn="tl">
@@ -7404,12 +7701,12 @@
                 </a:effectLst>
                 <a:latin typeface="Berlin Sans FB" panose="020E0602020502020306" pitchFamily="34" charset="0"/>
               </a:rPr>
-              <a:t> </a:t>
-            </a:r>
-            <a:r>
-              <a:rPr lang="fr-FR" sz="2400" dirty="0" err="1">
-                <a:solidFill>
-                  <a:schemeClr val="bg1"/>
+              <a:t>qui correspondaient </a:t>
+            </a:r>
+            <a:r>
+              <a:rPr lang="fr-FR" dirty="0">
+                <a:solidFill>
+                  <a:srgbClr val="D86E6E"/>
                 </a:solidFill>
                 <a:effectLst>
                   <a:outerShdw blurRad="38100" dist="38100" dir="2700000" algn="tl">
@@ -7420,12 +7717,41 @@
                 </a:effectLst>
                 <a:latin typeface="Berlin Sans FB" panose="020E0602020502020306" pitchFamily="34" charset="0"/>
               </a:rPr>
-              <a:t>ways</a:t>
-            </a:r>
-            <a:r>
-              <a:rPr lang="fr-FR" sz="2400" dirty="0">
-                <a:solidFill>
-                  <a:schemeClr val="bg1"/>
+              <a:t>à la cible visée</a:t>
+            </a:r>
+          </a:p>
+          <a:p>
+            <a:pPr marL="285750" indent="-285750">
+              <a:buFontTx/>
+              <a:buChar char="-"/>
+            </a:pPr>
+            <a:endParaRPr lang="fr-FR" dirty="0">
+              <a:solidFill>
+                <a:schemeClr val="bg2">
+                  <a:lumMod val="25000"/>
+                </a:schemeClr>
+              </a:solidFill>
+              <a:effectLst>
+                <a:outerShdw blurRad="38100" dist="38100" dir="2700000" algn="tl">
+                  <a:srgbClr val="000000">
+                    <a:alpha val="43137"/>
+                  </a:srgbClr>
+                </a:outerShdw>
+              </a:effectLst>
+              <a:latin typeface="Berlin Sans FB" panose="020E0602020502020306" pitchFamily="34" charset="0"/>
+            </a:endParaRPr>
+          </a:p>
+          <a:p>
+            <a:pPr marL="285750" indent="-285750">
+              <a:buFontTx/>
+              <a:buChar char="-"/>
+            </a:pPr>
+            <a:r>
+              <a:rPr lang="fr-FR" dirty="0">
+                <a:solidFill>
+                  <a:schemeClr val="bg2">
+                    <a:lumMod val="25000"/>
+                  </a:schemeClr>
                 </a:solidFill>
                 <a:effectLst>
                   <a:outerShdw blurRad="38100" dist="38100" dir="2700000" algn="tl">
@@ -7436,146 +7762,183 @@
                 </a:effectLst>
                 <a:latin typeface="Berlin Sans FB" panose="020E0602020502020306" pitchFamily="34" charset="0"/>
               </a:rPr>
-              <a:t> to die</a:t>
-            </a:r>
+              <a:t>La recherche d’analyses de marché du jeu vidéo mobile</a:t>
+            </a:r>
+          </a:p>
+          <a:p>
+            <a:pPr marL="285750" indent="-285750">
+              <a:buFontTx/>
+              <a:buChar char="-"/>
+            </a:pPr>
+            <a:endParaRPr lang="fr-FR" dirty="0">
+              <a:solidFill>
+                <a:schemeClr val="bg2">
+                  <a:lumMod val="25000"/>
+                </a:schemeClr>
+              </a:solidFill>
+              <a:effectLst>
+                <a:outerShdw blurRad="38100" dist="38100" dir="2700000" algn="tl">
+                  <a:srgbClr val="000000">
+                    <a:alpha val="43137"/>
+                  </a:srgbClr>
+                </a:outerShdw>
+              </a:effectLst>
+              <a:latin typeface="Berlin Sans FB" panose="020E0602020502020306" pitchFamily="34" charset="0"/>
+            </a:endParaRPr>
+          </a:p>
+          <a:p>
+            <a:pPr marL="285750" indent="-285750">
+              <a:buFontTx/>
+              <a:buChar char="-"/>
+            </a:pPr>
+            <a:r>
+              <a:rPr lang="fr-FR" dirty="0">
+                <a:solidFill>
+                  <a:schemeClr val="accent2">
+                    <a:lumMod val="60000"/>
+                    <a:lumOff val="40000"/>
+                  </a:schemeClr>
+                </a:solidFill>
+                <a:effectLst>
+                  <a:outerShdw blurRad="38100" dist="38100" dir="2700000" algn="tl">
+                    <a:srgbClr val="000000">
+                      <a:alpha val="43137"/>
+                    </a:srgbClr>
+                  </a:outerShdw>
+                </a:effectLst>
+                <a:latin typeface="Berlin Sans FB" panose="020E0602020502020306" pitchFamily="34" charset="0"/>
+              </a:rPr>
+              <a:t>Des animations pas toujours simples à réaliser</a:t>
+            </a:r>
+          </a:p>
+          <a:p>
+            <a:pPr marL="285750" indent="-285750">
+              <a:buFontTx/>
+              <a:buChar char="-"/>
+            </a:pPr>
+            <a:endParaRPr lang="fr-FR" dirty="0">
+              <a:solidFill>
+                <a:schemeClr val="bg2">
+                  <a:lumMod val="25000"/>
+                </a:schemeClr>
+              </a:solidFill>
+              <a:effectLst>
+                <a:outerShdw blurRad="38100" dist="38100" dir="2700000" algn="tl">
+                  <a:srgbClr val="000000">
+                    <a:alpha val="43137"/>
+                  </a:srgbClr>
+                </a:outerShdw>
+              </a:effectLst>
+              <a:latin typeface="Berlin Sans FB" panose="020E0602020502020306" pitchFamily="34" charset="0"/>
+            </a:endParaRPr>
+          </a:p>
+          <a:p>
+            <a:pPr marL="285750" indent="-285750">
+              <a:buFontTx/>
+              <a:buChar char="-"/>
+            </a:pPr>
+            <a:r>
+              <a:rPr lang="fr-FR" dirty="0">
+                <a:solidFill>
+                  <a:srgbClr val="E6E6E6"/>
+                </a:solidFill>
+                <a:effectLst>
+                  <a:outerShdw blurRad="38100" dist="38100" dir="2700000" algn="tl">
+                    <a:srgbClr val="000000">
+                      <a:alpha val="43137"/>
+                    </a:srgbClr>
+                  </a:outerShdw>
+                </a:effectLst>
+                <a:latin typeface="Berlin Sans FB" panose="020E0602020502020306" pitchFamily="34" charset="0"/>
+              </a:rPr>
+              <a:t>Les feuilles de </a:t>
+            </a:r>
+            <a:r>
+              <a:rPr lang="fr-FR" dirty="0" err="1">
+                <a:solidFill>
+                  <a:srgbClr val="E6E6E6"/>
+                </a:solidFill>
+                <a:effectLst>
+                  <a:outerShdw blurRad="38100" dist="38100" dir="2700000" algn="tl">
+                    <a:srgbClr val="000000">
+                      <a:alpha val="43137"/>
+                    </a:srgbClr>
+                  </a:outerShdw>
+                </a:effectLst>
+                <a:latin typeface="Berlin Sans FB" panose="020E0602020502020306" pitchFamily="34" charset="0"/>
+              </a:rPr>
+              <a:t>spritesheet</a:t>
+            </a:r>
+            <a:r>
+              <a:rPr lang="fr-FR" dirty="0">
+                <a:solidFill>
+                  <a:srgbClr val="E6E6E6"/>
+                </a:solidFill>
+                <a:effectLst>
+                  <a:outerShdw blurRad="38100" dist="38100" dir="2700000" algn="tl">
+                    <a:srgbClr val="000000">
+                      <a:alpha val="43137"/>
+                    </a:srgbClr>
+                  </a:outerShdw>
+                </a:effectLst>
+                <a:latin typeface="Berlin Sans FB" panose="020E0602020502020306" pitchFamily="34" charset="0"/>
+              </a:rPr>
+              <a:t> difficiles à implanter dans le code</a:t>
+            </a:r>
+          </a:p>
+          <a:p>
+            <a:endParaRPr lang="fr-FR" dirty="0">
+              <a:solidFill>
+                <a:schemeClr val="bg2">
+                  <a:lumMod val="25000"/>
+                </a:schemeClr>
+              </a:solidFill>
+              <a:effectLst>
+                <a:outerShdw blurRad="38100" dist="38100" dir="2700000" algn="tl">
+                  <a:srgbClr val="000000">
+                    <a:alpha val="43137"/>
+                  </a:srgbClr>
+                </a:outerShdw>
+              </a:effectLst>
+              <a:latin typeface="Berlin Sans FB" panose="020E0602020502020306" pitchFamily="34" charset="0"/>
+            </a:endParaRPr>
+          </a:p>
+          <a:p>
+            <a:pPr marL="285750" indent="-285750">
+              <a:buFontTx/>
+              <a:buChar char="-"/>
+            </a:pPr>
+            <a:r>
+              <a:rPr lang="fr-FR" dirty="0">
+                <a:solidFill>
+                  <a:schemeClr val="accent4">
+                    <a:lumMod val="60000"/>
+                    <a:lumOff val="40000"/>
+                  </a:schemeClr>
+                </a:solidFill>
+                <a:effectLst>
+                  <a:outerShdw blurRad="38100" dist="38100" dir="2700000" algn="tl">
+                    <a:srgbClr val="000000">
+                      <a:alpha val="43137"/>
+                    </a:srgbClr>
+                  </a:outerShdw>
+                </a:effectLst>
+                <a:latin typeface="Berlin Sans FB" panose="020E0602020502020306" pitchFamily="34" charset="0"/>
+              </a:rPr>
+              <a:t>La réalisation des différents assets</a:t>
+            </a:r>
+          </a:p>
+          <a:p>
+            <a:endParaRPr lang="fr-FR" dirty="0"/>
           </a:p>
         </p:txBody>
       </p:sp>
       <p:pic>
         <p:nvPicPr>
-          <p:cNvPr id="17" name="Image 16">
-            <a:extLst>
-              <a:ext uri="{FF2B5EF4-FFF2-40B4-BE49-F238E27FC236}">
-                <a16:creationId xmlns:a16="http://schemas.microsoft.com/office/drawing/2014/main" id="{108D094C-43DC-4A28-9A82-0B204C17A533}"/>
-              </a:ext>
-            </a:extLst>
-          </p:cNvPr>
-          <p:cNvPicPr/>
-          <p:nvPr>
-            <p:custDataLst>
-              <p:tags r:id="rId5"/>
-            </p:custDataLst>
-          </p:nvPr>
-        </p:nvPicPr>
-        <p:blipFill>
-          <a:blip r:embed="rId9" cstate="hqprint">
-            <a:extLst>
-              <a:ext uri="{28A0092B-C50C-407E-A947-70E740481C1C}">
-                <a14:useLocalDpi xmlns:a14="http://schemas.microsoft.com/office/drawing/2010/main" val="0"/>
-              </a:ext>
-            </a:extLst>
-          </a:blip>
-          <a:srcRect/>
-          <a:stretch>
-            <a:fillRect/>
-          </a:stretch>
-        </p:blipFill>
-        <p:spPr bwMode="auto">
-          <a:xfrm>
-            <a:off x="469304" y="3471405"/>
-            <a:ext cx="2380993" cy="2380993"/>
-          </a:xfrm>
-          <a:prstGeom prst="rect">
-            <a:avLst/>
-          </a:prstGeom>
-          <a:noFill/>
-          <a:ln>
-            <a:noFill/>
-          </a:ln>
-        </p:spPr>
-      </p:pic>
-      <p:pic>
-        <p:nvPicPr>
-          <p:cNvPr id="20" name="Image 19">
-            <a:extLst>
-              <a:ext uri="{FF2B5EF4-FFF2-40B4-BE49-F238E27FC236}">
-                <a16:creationId xmlns:a16="http://schemas.microsoft.com/office/drawing/2014/main" id="{E233B454-8182-4282-9955-EC839F957826}"/>
-              </a:ext>
-            </a:extLst>
-          </p:cNvPr>
-          <p:cNvPicPr/>
-          <p:nvPr>
-            <p:custDataLst>
-              <p:tags r:id="rId6"/>
-            </p:custDataLst>
-          </p:nvPr>
-        </p:nvPicPr>
-        <p:blipFill>
-          <a:blip r:embed="rId10" cstate="hqprint">
-            <a:extLst>
-              <a:ext uri="{28A0092B-C50C-407E-A947-70E740481C1C}">
-                <a14:useLocalDpi xmlns:a14="http://schemas.microsoft.com/office/drawing/2010/main" val="0"/>
-              </a:ext>
-            </a:extLst>
-          </a:blip>
-          <a:srcRect/>
-          <a:stretch>
-            <a:fillRect/>
-          </a:stretch>
-        </p:blipFill>
-        <p:spPr bwMode="auto">
-          <a:xfrm>
-            <a:off x="3023035" y="3468576"/>
-            <a:ext cx="2397211" cy="2386649"/>
-          </a:xfrm>
-          <a:prstGeom prst="rect">
-            <a:avLst/>
-          </a:prstGeom>
-          <a:noFill/>
-          <a:ln>
-            <a:noFill/>
-          </a:ln>
-        </p:spPr>
-      </p:pic>
-      <p:pic>
-        <p:nvPicPr>
-          <p:cNvPr id="21" name="Image 20" descr="Dumb Ways to die, le nouveau jeu phénomène qui fait un carton ...">
-            <a:extLst>
-              <a:ext uri="{FF2B5EF4-FFF2-40B4-BE49-F238E27FC236}">
-                <a16:creationId xmlns:a16="http://schemas.microsoft.com/office/drawing/2014/main" id="{5FD89B6F-9767-4098-B6D9-ABEA5157E634}"/>
-              </a:ext>
-            </a:extLst>
-          </p:cNvPr>
-          <p:cNvPicPr/>
-          <p:nvPr>
-            <p:custDataLst>
-              <p:tags r:id="rId7"/>
-            </p:custDataLst>
-          </p:nvPr>
-        </p:nvPicPr>
-        <p:blipFill>
-          <a:blip r:embed="rId11" cstate="print">
-            <a:extLst>
-              <a:ext uri="{28A0092B-C50C-407E-A947-70E740481C1C}">
-                <a14:useLocalDpi xmlns:a14="http://schemas.microsoft.com/office/drawing/2010/main" val="0"/>
-              </a:ext>
-            </a:extLst>
-          </a:blip>
-          <a:srcRect/>
-          <a:stretch>
-            <a:fillRect/>
-          </a:stretch>
-        </p:blipFill>
-        <p:spPr bwMode="auto">
-          <a:xfrm>
-            <a:off x="7233464" y="3491045"/>
-            <a:ext cx="3800475" cy="2374900"/>
-          </a:xfrm>
-          <a:prstGeom prst="rect">
-            <a:avLst/>
-          </a:prstGeom>
-          <a:noFill/>
-          <a:ln>
-            <a:noFill/>
-          </a:ln>
-        </p:spPr>
-      </p:pic>
-      <p:pic>
-        <p:nvPicPr>
-          <p:cNvPr id="9" name="Image 8">
-            <a:extLst>
-              <a:ext uri="{FF2B5EF4-FFF2-40B4-BE49-F238E27FC236}">
-                <a16:creationId xmlns:a16="http://schemas.microsoft.com/office/drawing/2014/main" id="{4483E680-2526-4882-8B44-EBEAFDE37DB0}"/>
+          <p:cNvPr id="5" name="Image 4">
+            <a:extLst>
+              <a:ext uri="{FF2B5EF4-FFF2-40B4-BE49-F238E27FC236}">
+                <a16:creationId xmlns:a16="http://schemas.microsoft.com/office/drawing/2014/main" id="{941DDBB6-7761-46A7-97BB-7B6C15C44702}"/>
               </a:ext>
             </a:extLst>
           </p:cNvPr>
@@ -7585,7 +7948,7 @@
           <p:nvPr/>
         </p:nvPicPr>
         <p:blipFill>
-          <a:blip r:embed="rId12">
+          <a:blip r:embed="rId5">
             <a:extLst>
               <a:ext uri="{28A0092B-C50C-407E-A947-70E740481C1C}">
                 <a14:useLocalDpi xmlns:a14="http://schemas.microsoft.com/office/drawing/2010/main" val="0"/>
@@ -7609,7 +7972,7 @@
     </p:spTree>
     <p:extLst>
       <p:ext uri="{BB962C8B-B14F-4D97-AF65-F5344CB8AC3E}">
-        <p14:creationId xmlns:p14="http://schemas.microsoft.com/office/powerpoint/2010/main" val="1458720274"/>
+        <p14:creationId xmlns:p14="http://schemas.microsoft.com/office/powerpoint/2010/main" val="1627443491"/>
       </p:ext>
     </p:extLst>
   </p:cSld>
@@ -8080,7 +8443,7 @@
         <p:spPr>
           <a:xfrm>
             <a:off x="840259" y="1647555"/>
-            <a:ext cx="10511482" cy="923330"/>
+            <a:ext cx="10511482" cy="646331"/>
           </a:xfrm>
           <a:prstGeom prst="rect">
             <a:avLst/>
@@ -8108,19 +8471,8 @@
                 </a:effectLst>
                 <a:latin typeface="Berlin Sans FB" panose="020E0602020502020306" pitchFamily="34" charset="0"/>
               </a:rPr>
-              <a:t>Difficultés rencontrées</a:t>
-            </a:r>
-          </a:p>
-          <a:p>
-            <a:pPr algn="ctr"/>
-            <a:endParaRPr lang="fr-FR" dirty="0">
-              <a:solidFill>
-                <a:schemeClr val="bg2">
-                  <a:lumMod val="25000"/>
-                </a:schemeClr>
-              </a:solidFill>
-              <a:latin typeface="Berlin Sans FB" panose="020E0602020502020306" pitchFamily="34" charset="0"/>
-            </a:endParaRPr>
+              <a:t>Solutions apportées</a:t>
+            </a:r>
           </a:p>
         </p:txBody>
       </p:sp>
@@ -8143,7 +8495,7 @@
         <p:spPr>
           <a:xfrm>
             <a:off x="1120346" y="2799477"/>
-            <a:ext cx="9951308" cy="3416320"/>
+            <a:ext cx="9951308" cy="3139321"/>
           </a:xfrm>
           <a:prstGeom prst="rect">
             <a:avLst/>
@@ -8174,7 +8526,7 @@
                 </a:effectLst>
                 <a:latin typeface="Berlin Sans FB" panose="020E0602020502020306" pitchFamily="34" charset="0"/>
               </a:rPr>
-              <a:t>Le temps imparti à gérer</a:t>
+              <a:t>Mise en place et respect d’un emploi du temps interne par Trello</a:t>
             </a:r>
           </a:p>
           <a:p>
@@ -8217,10 +8569,10 @@
                 </a:effectLst>
                 <a:latin typeface="Berlin Sans FB" panose="020E0602020502020306" pitchFamily="34" charset="0"/>
               </a:rPr>
-              <a:t>La recherche d’idées </a:t>
-            </a:r>
-            <a:r>
-              <a:rPr lang="fr-FR">
+              <a:t>S’imprégner de nombreuses références du genre </a:t>
+            </a:r>
+            <a:r>
+              <a:rPr lang="fr-FR" dirty="0" err="1">
                 <a:solidFill>
                   <a:srgbClr val="D86E6E"/>
                 </a:solidFill>
@@ -8233,7 +8585,7 @@
                 </a:effectLst>
                 <a:latin typeface="Berlin Sans FB" panose="020E0602020502020306" pitchFamily="34" charset="0"/>
               </a:rPr>
-              <a:t>qui correspondaient </a:t>
+              <a:t>Ware</a:t>
             </a:r>
             <a:r>
               <a:rPr lang="fr-FR" dirty="0">
@@ -8249,7 +8601,7 @@
                 </a:effectLst>
                 <a:latin typeface="Berlin Sans FB" panose="020E0602020502020306" pitchFamily="34" charset="0"/>
               </a:rPr>
-              <a:t>à la cible visée</a:t>
+              <a:t> et de jeux qui plaisent aux adolescents</a:t>
             </a:r>
           </a:p>
           <a:p>
@@ -8294,7 +8646,7 @@
                 </a:effectLst>
                 <a:latin typeface="Berlin Sans FB" panose="020E0602020502020306" pitchFamily="34" charset="0"/>
               </a:rPr>
-              <a:t>La recherche d’analyses de marché du jeu vidéo mobile</a:t>
+              <a:t>Recherche des études sur des sites anglais</a:t>
             </a:r>
           </a:p>
           <a:p>
@@ -8340,7 +8692,7 @@
                 </a:effectLst>
                 <a:latin typeface="Berlin Sans FB" panose="020E0602020502020306" pitchFamily="34" charset="0"/>
               </a:rPr>
-              <a:t>Des animations pas toujours simples à réaliser</a:t>
+              <a:t>Accorder plus de temps à la réalisation des animations</a:t>
             </a:r>
           </a:p>
           <a:p>
@@ -8383,7 +8735,7 @@
                 </a:effectLst>
                 <a:latin typeface="Berlin Sans FB" panose="020E0602020502020306" pitchFamily="34" charset="0"/>
               </a:rPr>
-              <a:t>Les feuilles de </a:t>
+              <a:t>Utilisation de </a:t>
             </a:r>
             <a:r>
               <a:rPr lang="fr-FR" dirty="0" err="1">
@@ -8399,7 +8751,7 @@
                 </a:effectLst>
                 <a:latin typeface="Berlin Sans FB" panose="020E0602020502020306" pitchFamily="34" charset="0"/>
               </a:rPr>
-              <a:t>spritesheet</a:t>
+              <a:t>Texturepacker</a:t>
             </a:r>
             <a:r>
               <a:rPr lang="fr-FR" dirty="0">
@@ -8415,38 +8767,12 @@
                 </a:effectLst>
                 <a:latin typeface="Berlin Sans FB" panose="020E0602020502020306" pitchFamily="34" charset="0"/>
               </a:rPr>
-              <a:t> difficiles à implanter dans le code</a:t>
-            </a:r>
-          </a:p>
-          <a:p>
-            <a:endParaRPr lang="fr-FR" dirty="0">
-              <a:solidFill>
-                <a:schemeClr val="bg2">
-                  <a:lumMod val="25000"/>
-                </a:schemeClr>
-              </a:solidFill>
-              <a:effectLst>
-                <a:outerShdw blurRad="38100" dist="38100" dir="2700000" algn="tl">
-                  <a:srgbClr val="000000">
-                    <a:alpha val="43137"/>
-                  </a:srgbClr>
-                </a:outerShdw>
-              </a:effectLst>
-              <a:latin typeface="Berlin Sans FB" panose="020E0602020502020306" pitchFamily="34" charset="0"/>
-            </a:endParaRPr>
-          </a:p>
-          <a:p>
-            <a:pPr marL="285750" indent="-285750">
-              <a:buFontTx/>
-              <a:buChar char="-"/>
-            </a:pPr>
-            <a:r>
-              <a:rPr lang="fr-FR" dirty="0">
-                <a:solidFill>
-                  <a:schemeClr val="accent4">
-                    <a:lumMod val="60000"/>
-                    <a:lumOff val="40000"/>
-                  </a:schemeClr>
+              <a:t> pour permettre d’importer les </a:t>
+            </a:r>
+            <a:r>
+              <a:rPr lang="fr-FR" dirty="0" err="1">
+                <a:solidFill>
+                  <a:srgbClr val="E6E6E6"/>
                 </a:solidFill>
                 <a:effectLst>
                   <a:outerShdw blurRad="38100" dist="38100" dir="2700000" algn="tl">
@@ -8457,125 +8783,12 @@
                 </a:effectLst>
                 <a:latin typeface="Berlin Sans FB" panose="020E0602020502020306" pitchFamily="34" charset="0"/>
               </a:rPr>
-              <a:t>La réalisation des différents assets</a:t>
-            </a:r>
-          </a:p>
-          <a:p>
-            <a:endParaRPr lang="fr-FR" dirty="0"/>
-          </a:p>
-        </p:txBody>
-      </p:sp>
-      <p:pic>
-        <p:nvPicPr>
-          <p:cNvPr id="5" name="Image 4">
-            <a:extLst>
-              <a:ext uri="{FF2B5EF4-FFF2-40B4-BE49-F238E27FC236}">
-                <a16:creationId xmlns:a16="http://schemas.microsoft.com/office/drawing/2014/main" id="{941DDBB6-7761-46A7-97BB-7B6C15C44702}"/>
-              </a:ext>
-            </a:extLst>
-          </p:cNvPr>
-          <p:cNvPicPr>
-            <a:picLocks noChangeAspect="1"/>
-          </p:cNvPicPr>
-          <p:nvPr/>
-        </p:nvPicPr>
-        <p:blipFill>
-          <a:blip r:embed="rId5">
-            <a:extLst>
-              <a:ext uri="{28A0092B-C50C-407E-A947-70E740481C1C}">
-                <a14:useLocalDpi xmlns:a14="http://schemas.microsoft.com/office/drawing/2010/main" val="0"/>
-              </a:ext>
-            </a:extLst>
-          </a:blip>
-          <a:stretch>
-            <a:fillRect/>
-          </a:stretch>
-        </p:blipFill>
-        <p:spPr>
-          <a:xfrm>
-            <a:off x="10758616" y="-275037"/>
-            <a:ext cx="1433384" cy="1433384"/>
-          </a:xfrm>
-          <a:prstGeom prst="rect">
-            <a:avLst/>
-          </a:prstGeom>
-        </p:spPr>
-      </p:pic>
-    </p:spTree>
-    <p:extLst>
-      <p:ext uri="{BB962C8B-B14F-4D97-AF65-F5344CB8AC3E}">
-        <p14:creationId xmlns:p14="http://schemas.microsoft.com/office/powerpoint/2010/main" val="1627443491"/>
-      </p:ext>
-    </p:extLst>
-  </p:cSld>
-  <p:clrMapOvr>
-    <a:masterClrMapping/>
-  </p:clrMapOvr>
-</p:sld>
-</file>
-
-<file path=ppt/slides/slide21.xml><?xml version="1.0" encoding="utf-8"?>
-<p:sld xmlns:a="http://schemas.openxmlformats.org/drawingml/2006/main" xmlns:r="http://schemas.openxmlformats.org/officeDocument/2006/relationships" xmlns:p="http://schemas.openxmlformats.org/presentationml/2006/main">
-  <p:cSld>
-    <p:bg>
-      <p:bgPr>
-        <a:solidFill>
-          <a:srgbClr val="47CFFF"/>
-        </a:solidFill>
-        <a:effectLst/>
-      </p:bgPr>
-    </p:bg>
-    <p:spTree>
-      <p:nvGrpSpPr>
-        <p:cNvPr id="1" name=""/>
-        <p:cNvGrpSpPr/>
-        <p:nvPr/>
-      </p:nvGrpSpPr>
-      <p:grpSpPr>
-        <a:xfrm>
-          <a:off x="0" y="0"/>
-          <a:ext cx="0" cy="0"/>
-          <a:chOff x="0" y="0"/>
-          <a:chExt cx="0" cy="0"/>
-        </a:xfrm>
-      </p:grpSpPr>
-      <p:sp>
-        <p:nvSpPr>
-          <p:cNvPr id="3" name="ZoneTexte 2">
-            <a:extLst>
-              <a:ext uri="{FF2B5EF4-FFF2-40B4-BE49-F238E27FC236}">
-                <a16:creationId xmlns:a16="http://schemas.microsoft.com/office/drawing/2014/main" id="{7729CBA0-9EDC-4AEE-A8B4-135F23A96C2E}"/>
-              </a:ext>
-            </a:extLst>
-          </p:cNvPr>
-          <p:cNvSpPr txBox="1"/>
-          <p:nvPr>
-            <p:custDataLst>
-              <p:tags r:id="rId1"/>
-            </p:custDataLst>
-          </p:nvPr>
-        </p:nvSpPr>
-        <p:spPr>
-          <a:xfrm>
-            <a:off x="0" y="411887"/>
-            <a:ext cx="12192000" cy="923330"/>
-          </a:xfrm>
-          <a:prstGeom prst="rect">
-            <a:avLst/>
-          </a:prstGeom>
-          <a:noFill/>
-        </p:spPr>
-        <p:txBody>
-          <a:bodyPr wrap="square" rtlCol="0">
-            <a:spAutoFit/>
-          </a:bodyPr>
-          <a:lstStyle/>
-          <a:p>
-            <a:pPr algn="ctr"/>
-            <a:r>
-              <a:rPr lang="fr-FR" sz="5400" dirty="0">
-                <a:solidFill>
-                  <a:schemeClr val="bg1"/>
+              <a:t>sprites</a:t>
+            </a:r>
+            <a:r>
+              <a:rPr lang="fr-FR" dirty="0">
+                <a:solidFill>
+                  <a:srgbClr val="E6E6E6"/>
                 </a:solidFill>
                 <a:effectLst>
                   <a:outerShdw blurRad="38100" dist="38100" dir="2700000" algn="tl">
@@ -8584,115 +8797,9 @@
                     </a:srgbClr>
                   </a:outerShdw>
                 </a:effectLst>
-              </a:rPr>
-              <a:t>Post-Mortem</a:t>
-            </a:r>
-          </a:p>
-        </p:txBody>
-      </p:sp>
-      <p:sp>
-        <p:nvSpPr>
-          <p:cNvPr id="7" name="ZoneTexte 6">
-            <a:extLst>
-              <a:ext uri="{FF2B5EF4-FFF2-40B4-BE49-F238E27FC236}">
-                <a16:creationId xmlns:a16="http://schemas.microsoft.com/office/drawing/2014/main" id="{49F2C682-97F3-4994-9F9E-86BFDBA1E0A9}"/>
-              </a:ext>
-            </a:extLst>
-          </p:cNvPr>
-          <p:cNvSpPr txBox="1"/>
-          <p:nvPr>
-            <p:custDataLst>
-              <p:tags r:id="rId2"/>
-            </p:custDataLst>
-          </p:nvPr>
-        </p:nvSpPr>
-        <p:spPr>
-          <a:xfrm>
-            <a:off x="840259" y="1647555"/>
-            <a:ext cx="10511482" cy="646331"/>
-          </a:xfrm>
-          <a:prstGeom prst="rect">
-            <a:avLst/>
-          </a:prstGeom>
-          <a:noFill/>
-        </p:spPr>
-        <p:txBody>
-          <a:bodyPr wrap="square" rtlCol="0">
-            <a:spAutoFit/>
-          </a:bodyPr>
-          <a:lstStyle/>
-          <a:p>
-            <a:pPr algn="ctr"/>
-            <a:r>
-              <a:rPr lang="fr-FR" sz="3600" dirty="0">
-                <a:solidFill>
-                  <a:schemeClr val="bg1"/>
-                </a:solidFill>
-                <a:effectLst>
-                  <a:outerShdw blurRad="38100" dist="38100" dir="2700000" algn="tl">
-                    <a:srgbClr val="000000">
-                      <a:alpha val="43137"/>
-                    </a:srgbClr>
-                  </a:outerShdw>
-                </a:effectLst>
-                <a:latin typeface="Berlin Sans FB" panose="020E0602020502020306" pitchFamily="34" charset="0"/>
-              </a:rPr>
-              <a:t>Solutions apportées</a:t>
-            </a:r>
-          </a:p>
-        </p:txBody>
-      </p:sp>
-      <p:sp>
-        <p:nvSpPr>
-          <p:cNvPr id="10" name="ZoneTexte 9">
-            <a:extLst>
-              <a:ext uri="{FF2B5EF4-FFF2-40B4-BE49-F238E27FC236}">
-                <a16:creationId xmlns:a16="http://schemas.microsoft.com/office/drawing/2014/main" id="{F65D223A-FC7B-4433-8867-C33B70E1BB25}"/>
-              </a:ext>
-            </a:extLst>
-          </p:cNvPr>
-          <p:cNvSpPr txBox="1"/>
-          <p:nvPr>
-            <p:custDataLst>
-              <p:tags r:id="rId3"/>
-            </p:custDataLst>
-          </p:nvPr>
-        </p:nvSpPr>
-        <p:spPr>
-          <a:xfrm>
-            <a:off x="1120346" y="2799477"/>
-            <a:ext cx="9951308" cy="3139321"/>
-          </a:xfrm>
-          <a:prstGeom prst="rect">
-            <a:avLst/>
-          </a:prstGeom>
-          <a:noFill/>
-        </p:spPr>
-        <p:txBody>
-          <a:bodyPr wrap="square" rtlCol="0">
-            <a:spAutoFit/>
-          </a:bodyPr>
-          <a:lstStyle/>
-          <a:p>
-            <a:pPr marL="285750" indent="-285750">
-              <a:buFontTx/>
-              <a:buChar char="-"/>
-            </a:pPr>
-            <a:r>
-              <a:rPr lang="fr-FR" dirty="0">
-                <a:solidFill>
-                  <a:srgbClr val="92D050"/>
-                </a:solidFill>
-                <a:effectLst>
-                  <a:outerShdw blurRad="38100" dist="38100" dir="2700000" algn="tl">
-                    <a:srgbClr val="000000">
-                      <a:alpha val="43137"/>
-                    </a:srgbClr>
-                  </a:outerShdw>
-                </a:effectLst>
-                <a:latin typeface="Berlin Sans FB" panose="020E0602020502020306" pitchFamily="34" charset="0"/>
-              </a:rPr>
-              <a:t>Mise en place et respect d’un emploi du temps interne par Trello</a:t>
+                <a:latin typeface="Berlin Sans FB" panose="020E0602020502020306" pitchFamily="34" charset="0"/>
+              </a:rPr>
+              <a:t> dans la programmation</a:t>
             </a:r>
           </a:p>
           <a:p>
@@ -8724,279 +8831,6 @@
             <a:r>
               <a:rPr lang="fr-FR" dirty="0">
                 <a:solidFill>
-                  <a:srgbClr val="D86E6E"/>
-                </a:solidFill>
-                <a:effectLst>
-                  <a:outerShdw blurRad="38100" dist="38100" dir="2700000" algn="tl">
-                    <a:srgbClr val="000000">
-                      <a:alpha val="43137"/>
-                    </a:srgbClr>
-                  </a:outerShdw>
-                </a:effectLst>
-                <a:latin typeface="Berlin Sans FB" panose="020E0602020502020306" pitchFamily="34" charset="0"/>
-              </a:rPr>
-              <a:t>S’imprégner de nombreuses références du genre </a:t>
-            </a:r>
-            <a:r>
-              <a:rPr lang="fr-FR" dirty="0" err="1">
-                <a:solidFill>
-                  <a:srgbClr val="D86E6E"/>
-                </a:solidFill>
-                <a:effectLst>
-                  <a:outerShdw blurRad="38100" dist="38100" dir="2700000" algn="tl">
-                    <a:srgbClr val="000000">
-                      <a:alpha val="43137"/>
-                    </a:srgbClr>
-                  </a:outerShdw>
-                </a:effectLst>
-                <a:latin typeface="Berlin Sans FB" panose="020E0602020502020306" pitchFamily="34" charset="0"/>
-              </a:rPr>
-              <a:t>Ware</a:t>
-            </a:r>
-            <a:r>
-              <a:rPr lang="fr-FR" dirty="0">
-                <a:solidFill>
-                  <a:srgbClr val="D86E6E"/>
-                </a:solidFill>
-                <a:effectLst>
-                  <a:outerShdw blurRad="38100" dist="38100" dir="2700000" algn="tl">
-                    <a:srgbClr val="000000">
-                      <a:alpha val="43137"/>
-                    </a:srgbClr>
-                  </a:outerShdw>
-                </a:effectLst>
-                <a:latin typeface="Berlin Sans FB" panose="020E0602020502020306" pitchFamily="34" charset="0"/>
-              </a:rPr>
-              <a:t> et de jeux qui plaisent aux adolescents</a:t>
-            </a:r>
-          </a:p>
-          <a:p>
-            <a:pPr marL="285750" indent="-285750">
-              <a:buFontTx/>
-              <a:buChar char="-"/>
-            </a:pPr>
-            <a:endParaRPr lang="fr-FR" dirty="0">
-              <a:solidFill>
-                <a:schemeClr val="bg2">
-                  <a:lumMod val="25000"/>
-                </a:schemeClr>
-              </a:solidFill>
-              <a:effectLst>
-                <a:outerShdw blurRad="38100" dist="38100" dir="2700000" algn="tl">
-                  <a:srgbClr val="000000">
-                    <a:alpha val="43137"/>
-                  </a:srgbClr>
-                </a:outerShdw>
-              </a:effectLst>
-              <a:latin typeface="Berlin Sans FB" panose="020E0602020502020306" pitchFamily="34" charset="0"/>
-            </a:endParaRPr>
-          </a:p>
-          <a:p>
-            <a:pPr marL="285750" indent="-285750">
-              <a:buFontTx/>
-              <a:buChar char="-"/>
-            </a:pPr>
-            <a:r>
-              <a:rPr lang="fr-FR" dirty="0">
-                <a:solidFill>
-                  <a:schemeClr val="bg2">
-                    <a:lumMod val="25000"/>
-                  </a:schemeClr>
-                </a:solidFill>
-                <a:effectLst>
-                  <a:outerShdw blurRad="38100" dist="38100" dir="2700000" algn="tl">
-                    <a:srgbClr val="000000">
-                      <a:alpha val="43137"/>
-                    </a:srgbClr>
-                  </a:outerShdw>
-                </a:effectLst>
-                <a:latin typeface="Berlin Sans FB" panose="020E0602020502020306" pitchFamily="34" charset="0"/>
-              </a:rPr>
-              <a:t>Recherche des études sur des sites anglais</a:t>
-            </a:r>
-          </a:p>
-          <a:p>
-            <a:pPr marL="285750" indent="-285750">
-              <a:buFontTx/>
-              <a:buChar char="-"/>
-            </a:pPr>
-            <a:endParaRPr lang="fr-FR" dirty="0">
-              <a:solidFill>
-                <a:schemeClr val="bg2">
-                  <a:lumMod val="25000"/>
-                </a:schemeClr>
-              </a:solidFill>
-              <a:effectLst>
-                <a:outerShdw blurRad="38100" dist="38100" dir="2700000" algn="tl">
-                  <a:srgbClr val="000000">
-                    <a:alpha val="43137"/>
-                  </a:srgbClr>
-                </a:outerShdw>
-              </a:effectLst>
-              <a:latin typeface="Berlin Sans FB" panose="020E0602020502020306" pitchFamily="34" charset="0"/>
-            </a:endParaRPr>
-          </a:p>
-          <a:p>
-            <a:pPr marL="285750" indent="-285750">
-              <a:buFontTx/>
-              <a:buChar char="-"/>
-            </a:pPr>
-            <a:r>
-              <a:rPr lang="fr-FR" dirty="0">
-                <a:solidFill>
-                  <a:schemeClr val="accent2">
-                    <a:lumMod val="60000"/>
-                    <a:lumOff val="40000"/>
-                  </a:schemeClr>
-                </a:solidFill>
-                <a:effectLst>
-                  <a:outerShdw blurRad="38100" dist="38100" dir="2700000" algn="tl">
-                    <a:srgbClr val="000000">
-                      <a:alpha val="43137"/>
-                    </a:srgbClr>
-                  </a:outerShdw>
-                </a:effectLst>
-                <a:latin typeface="Berlin Sans FB" panose="020E0602020502020306" pitchFamily="34" charset="0"/>
-              </a:rPr>
-              <a:t>Accorder plus de temps à la réalisation des animations</a:t>
-            </a:r>
-          </a:p>
-          <a:p>
-            <a:pPr marL="285750" indent="-285750">
-              <a:buFontTx/>
-              <a:buChar char="-"/>
-            </a:pPr>
-            <a:endParaRPr lang="fr-FR" dirty="0">
-              <a:solidFill>
-                <a:schemeClr val="bg2">
-                  <a:lumMod val="25000"/>
-                </a:schemeClr>
-              </a:solidFill>
-              <a:effectLst>
-                <a:outerShdw blurRad="38100" dist="38100" dir="2700000" algn="tl">
-                  <a:srgbClr val="000000">
-                    <a:alpha val="43137"/>
-                  </a:srgbClr>
-                </a:outerShdw>
-              </a:effectLst>
-              <a:latin typeface="Berlin Sans FB" panose="020E0602020502020306" pitchFamily="34" charset="0"/>
-            </a:endParaRPr>
-          </a:p>
-          <a:p>
-            <a:pPr marL="285750" indent="-285750">
-              <a:buFontTx/>
-              <a:buChar char="-"/>
-            </a:pPr>
-            <a:r>
-              <a:rPr lang="fr-FR" dirty="0">
-                <a:solidFill>
-                  <a:srgbClr val="E6E6E6"/>
-                </a:solidFill>
-                <a:effectLst>
-                  <a:outerShdw blurRad="38100" dist="38100" dir="2700000" algn="tl">
-                    <a:srgbClr val="000000">
-                      <a:alpha val="43137"/>
-                    </a:srgbClr>
-                  </a:outerShdw>
-                </a:effectLst>
-                <a:latin typeface="Berlin Sans FB" panose="020E0602020502020306" pitchFamily="34" charset="0"/>
-              </a:rPr>
-              <a:t>Utilisation de </a:t>
-            </a:r>
-            <a:r>
-              <a:rPr lang="fr-FR" dirty="0" err="1">
-                <a:solidFill>
-                  <a:srgbClr val="E6E6E6"/>
-                </a:solidFill>
-                <a:effectLst>
-                  <a:outerShdw blurRad="38100" dist="38100" dir="2700000" algn="tl">
-                    <a:srgbClr val="000000">
-                      <a:alpha val="43137"/>
-                    </a:srgbClr>
-                  </a:outerShdw>
-                </a:effectLst>
-                <a:latin typeface="Berlin Sans FB" panose="020E0602020502020306" pitchFamily="34" charset="0"/>
-              </a:rPr>
-              <a:t>Texturepacker</a:t>
-            </a:r>
-            <a:r>
-              <a:rPr lang="fr-FR" dirty="0">
-                <a:solidFill>
-                  <a:srgbClr val="E6E6E6"/>
-                </a:solidFill>
-                <a:effectLst>
-                  <a:outerShdw blurRad="38100" dist="38100" dir="2700000" algn="tl">
-                    <a:srgbClr val="000000">
-                      <a:alpha val="43137"/>
-                    </a:srgbClr>
-                  </a:outerShdw>
-                </a:effectLst>
-                <a:latin typeface="Berlin Sans FB" panose="020E0602020502020306" pitchFamily="34" charset="0"/>
-              </a:rPr>
-              <a:t> pour permettre d’importer les </a:t>
-            </a:r>
-            <a:r>
-              <a:rPr lang="fr-FR" dirty="0" err="1">
-                <a:solidFill>
-                  <a:srgbClr val="E6E6E6"/>
-                </a:solidFill>
-                <a:effectLst>
-                  <a:outerShdw blurRad="38100" dist="38100" dir="2700000" algn="tl">
-                    <a:srgbClr val="000000">
-                      <a:alpha val="43137"/>
-                    </a:srgbClr>
-                  </a:outerShdw>
-                </a:effectLst>
-                <a:latin typeface="Berlin Sans FB" panose="020E0602020502020306" pitchFamily="34" charset="0"/>
-              </a:rPr>
-              <a:t>sprites</a:t>
-            </a:r>
-            <a:r>
-              <a:rPr lang="fr-FR" dirty="0">
-                <a:solidFill>
-                  <a:srgbClr val="E6E6E6"/>
-                </a:solidFill>
-                <a:effectLst>
-                  <a:outerShdw blurRad="38100" dist="38100" dir="2700000" algn="tl">
-                    <a:srgbClr val="000000">
-                      <a:alpha val="43137"/>
-                    </a:srgbClr>
-                  </a:outerShdw>
-                </a:effectLst>
-                <a:latin typeface="Berlin Sans FB" panose="020E0602020502020306" pitchFamily="34" charset="0"/>
-              </a:rPr>
-              <a:t> dans la programmation</a:t>
-            </a:r>
-          </a:p>
-          <a:p>
-            <a:pPr marL="285750" indent="-285750">
-              <a:buFontTx/>
-              <a:buChar char="-"/>
-            </a:pPr>
-            <a:endParaRPr lang="fr-FR" dirty="0">
-              <a:solidFill>
-                <a:schemeClr val="bg2">
-                  <a:lumMod val="25000"/>
-                </a:schemeClr>
-              </a:solidFill>
-              <a:effectLst>
-                <a:outerShdw blurRad="38100" dist="38100" dir="2700000" algn="tl">
-                  <a:srgbClr val="000000">
-                    <a:alpha val="43137"/>
-                  </a:srgbClr>
-                </a:outerShdw>
-              </a:effectLst>
-              <a:latin typeface="Berlin Sans FB" panose="020E0602020502020306" pitchFamily="34" charset="0"/>
-            </a:endParaRPr>
-          </a:p>
-          <a:p>
-            <a:pPr marL="285750" indent="-285750">
-              <a:buFontTx/>
-              <a:buChar char="-"/>
-            </a:pPr>
-            <a:r>
-              <a:rPr lang="fr-FR" dirty="0">
-                <a:solidFill>
                   <a:schemeClr val="accent4">
                     <a:lumMod val="60000"/>
                     <a:lumOff val="40000"/>
@@ -9065,7 +8899,7 @@
 </p:sld>
 </file>
 
-<file path=ppt/slides/slide22.xml><?xml version="1.0" encoding="utf-8"?>
+<file path=ppt/slides/slide21.xml><?xml version="1.0" encoding="utf-8"?>
 <p:sld xmlns:a="http://schemas.openxmlformats.org/drawingml/2006/main" xmlns:r="http://schemas.openxmlformats.org/officeDocument/2006/relationships" xmlns:p="http://schemas.openxmlformats.org/presentationml/2006/main">
   <p:cSld>
     <p:bg>
@@ -12281,25 +12115,25 @@
 
 <file path=ppt/tags/tag46.xml><?xml version="1.0" encoding="utf-8"?>
 <p:tagLst xmlns:a="http://schemas.openxmlformats.org/drawingml/2006/main" xmlns:r="http://schemas.openxmlformats.org/officeDocument/2006/relationships" xmlns:p="http://schemas.openxmlformats.org/presentationml/2006/main">
-  <p:tag name="NUM" val="1"/>
+  <p:tag name="NUM" val="3"/>
 </p:tagLst>
 </file>
 
 <file path=ppt/tags/tag47.xml><?xml version="1.0" encoding="utf-8"?>
 <p:tagLst xmlns:a="http://schemas.openxmlformats.org/drawingml/2006/main" xmlns:r="http://schemas.openxmlformats.org/officeDocument/2006/relationships" xmlns:p="http://schemas.openxmlformats.org/presentationml/2006/main">
-  <p:tag name="NUM" val="2"/>
+  <p:tag name="NUM" val="4"/>
 </p:tagLst>
 </file>
 
 <file path=ppt/tags/tag48.xml><?xml version="1.0" encoding="utf-8"?>
 <p:tagLst xmlns:a="http://schemas.openxmlformats.org/drawingml/2006/main" xmlns:r="http://schemas.openxmlformats.org/officeDocument/2006/relationships" xmlns:p="http://schemas.openxmlformats.org/presentationml/2006/main">
-  <p:tag name="NUM" val="3"/>
+  <p:tag name="NUM" val="5"/>
 </p:tagLst>
 </file>
 
 <file path=ppt/tags/tag49.xml><?xml version="1.0" encoding="utf-8"?>
 <p:tagLst xmlns:a="http://schemas.openxmlformats.org/drawingml/2006/main" xmlns:r="http://schemas.openxmlformats.org/officeDocument/2006/relationships" xmlns:p="http://schemas.openxmlformats.org/presentationml/2006/main">
-  <p:tag name="NUM" val="4"/>
+  <p:tag name="NUM" val="1"/>
 </p:tagLst>
 </file>
 
@@ -12311,61 +12145,61 @@
 
 <file path=ppt/tags/tag50.xml><?xml version="1.0" encoding="utf-8"?>
 <p:tagLst xmlns:a="http://schemas.openxmlformats.org/drawingml/2006/main" xmlns:r="http://schemas.openxmlformats.org/officeDocument/2006/relationships" xmlns:p="http://schemas.openxmlformats.org/presentationml/2006/main">
-  <p:tag name="NUM" val="5"/>
+  <p:tag name="NUM" val="2"/>
 </p:tagLst>
 </file>
 
 <file path=ppt/tags/tag51.xml><?xml version="1.0" encoding="utf-8"?>
 <p:tagLst xmlns:a="http://schemas.openxmlformats.org/drawingml/2006/main" xmlns:r="http://schemas.openxmlformats.org/officeDocument/2006/relationships" xmlns:p="http://schemas.openxmlformats.org/presentationml/2006/main">
-  <p:tag name="NUM" val="1"/>
+  <p:tag name="NUM" val="3"/>
 </p:tagLst>
 </file>
 
 <file path=ppt/tags/tag52.xml><?xml version="1.0" encoding="utf-8"?>
 <p:tagLst xmlns:a="http://schemas.openxmlformats.org/drawingml/2006/main" xmlns:r="http://schemas.openxmlformats.org/officeDocument/2006/relationships" xmlns:p="http://schemas.openxmlformats.org/presentationml/2006/main">
-  <p:tag name="NUM" val="2"/>
+  <p:tag name="NUM" val="4"/>
 </p:tagLst>
 </file>
 
 <file path=ppt/tags/tag53.xml><?xml version="1.0" encoding="utf-8"?>
 <p:tagLst xmlns:a="http://schemas.openxmlformats.org/drawingml/2006/main" xmlns:r="http://schemas.openxmlformats.org/officeDocument/2006/relationships" xmlns:p="http://schemas.openxmlformats.org/presentationml/2006/main">
-  <p:tag name="NUM" val="3"/>
+  <p:tag name="NUM" val="5"/>
 </p:tagLst>
 </file>
 
 <file path=ppt/tags/tag54.xml><?xml version="1.0" encoding="utf-8"?>
 <p:tagLst xmlns:a="http://schemas.openxmlformats.org/drawingml/2006/main" xmlns:r="http://schemas.openxmlformats.org/officeDocument/2006/relationships" xmlns:p="http://schemas.openxmlformats.org/presentationml/2006/main">
-  <p:tag name="NUM" val="4"/>
+  <p:tag name="NUM" val="1"/>
 </p:tagLst>
 </file>
 
 <file path=ppt/tags/tag55.xml><?xml version="1.0" encoding="utf-8"?>
 <p:tagLst xmlns:a="http://schemas.openxmlformats.org/drawingml/2006/main" xmlns:r="http://schemas.openxmlformats.org/officeDocument/2006/relationships" xmlns:p="http://schemas.openxmlformats.org/presentationml/2006/main">
-  <p:tag name="NUM" val="5"/>
+  <p:tag name="NUM" val="2"/>
 </p:tagLst>
 </file>
 
 <file path=ppt/tags/tag56.xml><?xml version="1.0" encoding="utf-8"?>
 <p:tagLst xmlns:a="http://schemas.openxmlformats.org/drawingml/2006/main" xmlns:r="http://schemas.openxmlformats.org/officeDocument/2006/relationships" xmlns:p="http://schemas.openxmlformats.org/presentationml/2006/main">
-  <p:tag name="NUM" val="1"/>
+  <p:tag name="NUM" val="3"/>
 </p:tagLst>
 </file>
 
 <file path=ppt/tags/tag57.xml><?xml version="1.0" encoding="utf-8"?>
 <p:tagLst xmlns:a="http://schemas.openxmlformats.org/drawingml/2006/main" xmlns:r="http://schemas.openxmlformats.org/officeDocument/2006/relationships" xmlns:p="http://schemas.openxmlformats.org/presentationml/2006/main">
-  <p:tag name="NUM" val="2"/>
+  <p:tag name="NUM" val="4"/>
 </p:tagLst>
 </file>
 
 <file path=ppt/tags/tag58.xml><?xml version="1.0" encoding="utf-8"?>
 <p:tagLst xmlns:a="http://schemas.openxmlformats.org/drawingml/2006/main" xmlns:r="http://schemas.openxmlformats.org/officeDocument/2006/relationships" xmlns:p="http://schemas.openxmlformats.org/presentationml/2006/main">
-  <p:tag name="NUM" val="3"/>
+  <p:tag name="NUM" val="5"/>
 </p:tagLst>
 </file>
 
 <file path=ppt/tags/tag59.xml><?xml version="1.0" encoding="utf-8"?>
 <p:tagLst xmlns:a="http://schemas.openxmlformats.org/drawingml/2006/main" xmlns:r="http://schemas.openxmlformats.org/officeDocument/2006/relationships" xmlns:p="http://schemas.openxmlformats.org/presentationml/2006/main">
-  <p:tag name="NUM" val="4"/>
+  <p:tag name="NUM" val="1"/>
 </p:tagLst>
 </file>
 
@@ -12377,61 +12211,61 @@
 
 <file path=ppt/tags/tag60.xml><?xml version="1.0" encoding="utf-8"?>
 <p:tagLst xmlns:a="http://schemas.openxmlformats.org/drawingml/2006/main" xmlns:r="http://schemas.openxmlformats.org/officeDocument/2006/relationships" xmlns:p="http://schemas.openxmlformats.org/presentationml/2006/main">
-  <p:tag name="NUM" val="5"/>
+  <p:tag name="NUM" val="2"/>
 </p:tagLst>
 </file>
 
 <file path=ppt/tags/tag61.xml><?xml version="1.0" encoding="utf-8"?>
 <p:tagLst xmlns:a="http://schemas.openxmlformats.org/drawingml/2006/main" xmlns:r="http://schemas.openxmlformats.org/officeDocument/2006/relationships" xmlns:p="http://schemas.openxmlformats.org/presentationml/2006/main">
-  <p:tag name="NUM" val="1"/>
+  <p:tag name="NUM" val="3"/>
 </p:tagLst>
 </file>
 
 <file path=ppt/tags/tag62.xml><?xml version="1.0" encoding="utf-8"?>
 <p:tagLst xmlns:a="http://schemas.openxmlformats.org/drawingml/2006/main" xmlns:r="http://schemas.openxmlformats.org/officeDocument/2006/relationships" xmlns:p="http://schemas.openxmlformats.org/presentationml/2006/main">
-  <p:tag name="NUM" val="2"/>
+  <p:tag name="NUM" val="4"/>
 </p:tagLst>
 </file>
 
 <file path=ppt/tags/tag63.xml><?xml version="1.0" encoding="utf-8"?>
 <p:tagLst xmlns:a="http://schemas.openxmlformats.org/drawingml/2006/main" xmlns:r="http://schemas.openxmlformats.org/officeDocument/2006/relationships" xmlns:p="http://schemas.openxmlformats.org/presentationml/2006/main">
-  <p:tag name="NUM" val="3"/>
+  <p:tag name="NUM" val="5"/>
 </p:tagLst>
 </file>
 
 <file path=ppt/tags/tag64.xml><?xml version="1.0" encoding="utf-8"?>
 <p:tagLst xmlns:a="http://schemas.openxmlformats.org/drawingml/2006/main" xmlns:r="http://schemas.openxmlformats.org/officeDocument/2006/relationships" xmlns:p="http://schemas.openxmlformats.org/presentationml/2006/main">
-  <p:tag name="NUM" val="4"/>
+  <p:tag name="NUM" val="1"/>
 </p:tagLst>
 </file>
 
 <file path=ppt/tags/tag65.xml><?xml version="1.0" encoding="utf-8"?>
 <p:tagLst xmlns:a="http://schemas.openxmlformats.org/drawingml/2006/main" xmlns:r="http://schemas.openxmlformats.org/officeDocument/2006/relationships" xmlns:p="http://schemas.openxmlformats.org/presentationml/2006/main">
-  <p:tag name="NUM" val="5"/>
+  <p:tag name="NUM" val="2"/>
 </p:tagLst>
 </file>
 
 <file path=ppt/tags/tag66.xml><?xml version="1.0" encoding="utf-8"?>
 <p:tagLst xmlns:a="http://schemas.openxmlformats.org/drawingml/2006/main" xmlns:r="http://schemas.openxmlformats.org/officeDocument/2006/relationships" xmlns:p="http://schemas.openxmlformats.org/presentationml/2006/main">
-  <p:tag name="NUM" val="1"/>
+  <p:tag name="NUM" val="3"/>
 </p:tagLst>
 </file>
 
 <file path=ppt/tags/tag67.xml><?xml version="1.0" encoding="utf-8"?>
 <p:tagLst xmlns:a="http://schemas.openxmlformats.org/drawingml/2006/main" xmlns:r="http://schemas.openxmlformats.org/officeDocument/2006/relationships" xmlns:p="http://schemas.openxmlformats.org/presentationml/2006/main">
-  <p:tag name="NUM" val="2"/>
+  <p:tag name="NUM" val="1"/>
 </p:tagLst>
 </file>
 
 <file path=ppt/tags/tag68.xml><?xml version="1.0" encoding="utf-8"?>
 <p:tagLst xmlns:a="http://schemas.openxmlformats.org/drawingml/2006/main" xmlns:r="http://schemas.openxmlformats.org/officeDocument/2006/relationships" xmlns:p="http://schemas.openxmlformats.org/presentationml/2006/main">
-  <p:tag name="NUM" val="3"/>
+  <p:tag name="NUM" val="2"/>
 </p:tagLst>
 </file>
 
 <file path=ppt/tags/tag69.xml><?xml version="1.0" encoding="utf-8"?>
 <p:tagLst xmlns:a="http://schemas.openxmlformats.org/drawingml/2006/main" xmlns:r="http://schemas.openxmlformats.org/officeDocument/2006/relationships" xmlns:p="http://schemas.openxmlformats.org/presentationml/2006/main">
-  <p:tag name="NUM" val="1"/>
+  <p:tag name="NUM" val="3"/>
 </p:tagLst>
 </file>
 
@@ -12443,61 +12277,61 @@
 
 <file path=ppt/tags/tag70.xml><?xml version="1.0" encoding="utf-8"?>
 <p:tagLst xmlns:a="http://schemas.openxmlformats.org/drawingml/2006/main" xmlns:r="http://schemas.openxmlformats.org/officeDocument/2006/relationships" xmlns:p="http://schemas.openxmlformats.org/presentationml/2006/main">
-  <p:tag name="NUM" val="2"/>
+  <p:tag name="NUM" val="4"/>
 </p:tagLst>
 </file>
 
 <file path=ppt/tags/tag71.xml><?xml version="1.0" encoding="utf-8"?>
 <p:tagLst xmlns:a="http://schemas.openxmlformats.org/drawingml/2006/main" xmlns:r="http://schemas.openxmlformats.org/officeDocument/2006/relationships" xmlns:p="http://schemas.openxmlformats.org/presentationml/2006/main">
-  <p:tag name="NUM" val="3"/>
+  <p:tag name="NUM" val="5"/>
 </p:tagLst>
 </file>
 
 <file path=ppt/tags/tag72.xml><?xml version="1.0" encoding="utf-8"?>
 <p:tagLst xmlns:a="http://schemas.openxmlformats.org/drawingml/2006/main" xmlns:r="http://schemas.openxmlformats.org/officeDocument/2006/relationships" xmlns:p="http://schemas.openxmlformats.org/presentationml/2006/main">
-  <p:tag name="NUM" val="4"/>
+  <p:tag name="NUM" val="6"/>
 </p:tagLst>
 </file>
 
 <file path=ppt/tags/tag73.xml><?xml version="1.0" encoding="utf-8"?>
 <p:tagLst xmlns:a="http://schemas.openxmlformats.org/drawingml/2006/main" xmlns:r="http://schemas.openxmlformats.org/officeDocument/2006/relationships" xmlns:p="http://schemas.openxmlformats.org/presentationml/2006/main">
-  <p:tag name="NUM" val="5"/>
+  <p:tag name="NUM" val="7"/>
 </p:tagLst>
 </file>
 
 <file path=ppt/tags/tag74.xml><?xml version="1.0" encoding="utf-8"?>
 <p:tagLst xmlns:a="http://schemas.openxmlformats.org/drawingml/2006/main" xmlns:r="http://schemas.openxmlformats.org/officeDocument/2006/relationships" xmlns:p="http://schemas.openxmlformats.org/presentationml/2006/main">
-  <p:tag name="NUM" val="6"/>
+  <p:tag name="NUM" val="8"/>
 </p:tagLst>
 </file>
 
 <file path=ppt/tags/tag75.xml><?xml version="1.0" encoding="utf-8"?>
 <p:tagLst xmlns:a="http://schemas.openxmlformats.org/drawingml/2006/main" xmlns:r="http://schemas.openxmlformats.org/officeDocument/2006/relationships" xmlns:p="http://schemas.openxmlformats.org/presentationml/2006/main">
-  <p:tag name="NUM" val="7"/>
+  <p:tag name="NUM" val="1"/>
 </p:tagLst>
 </file>
 
 <file path=ppt/tags/tag76.xml><?xml version="1.0" encoding="utf-8"?>
 <p:tagLst xmlns:a="http://schemas.openxmlformats.org/drawingml/2006/main" xmlns:r="http://schemas.openxmlformats.org/officeDocument/2006/relationships" xmlns:p="http://schemas.openxmlformats.org/presentationml/2006/main">
-  <p:tag name="NUM" val="8"/>
+  <p:tag name="NUM" val="2"/>
 </p:tagLst>
 </file>
 
 <file path=ppt/tags/tag77.xml><?xml version="1.0" encoding="utf-8"?>
 <p:tagLst xmlns:a="http://schemas.openxmlformats.org/drawingml/2006/main" xmlns:r="http://schemas.openxmlformats.org/officeDocument/2006/relationships" xmlns:p="http://schemas.openxmlformats.org/presentationml/2006/main">
-  <p:tag name="NUM" val="1"/>
+  <p:tag name="NUM" val="3"/>
 </p:tagLst>
 </file>
 
 <file path=ppt/tags/tag78.xml><?xml version="1.0" encoding="utf-8"?>
 <p:tagLst xmlns:a="http://schemas.openxmlformats.org/drawingml/2006/main" xmlns:r="http://schemas.openxmlformats.org/officeDocument/2006/relationships" xmlns:p="http://schemas.openxmlformats.org/presentationml/2006/main">
-  <p:tag name="NUM" val="2"/>
+  <p:tag name="NUM" val="4"/>
 </p:tagLst>
 </file>
 
 <file path=ppt/tags/tag79.xml><?xml version="1.0" encoding="utf-8"?>
 <p:tagLst xmlns:a="http://schemas.openxmlformats.org/drawingml/2006/main" xmlns:r="http://schemas.openxmlformats.org/officeDocument/2006/relationships" xmlns:p="http://schemas.openxmlformats.org/presentationml/2006/main">
-  <p:tag name="NUM" val="3"/>
+  <p:tag name="NUM" val="5"/>
 </p:tagLst>
 </file>
 
@@ -12509,55 +12343,55 @@
 
 <file path=ppt/tags/tag80.xml><?xml version="1.0" encoding="utf-8"?>
 <p:tagLst xmlns:a="http://schemas.openxmlformats.org/drawingml/2006/main" xmlns:r="http://schemas.openxmlformats.org/officeDocument/2006/relationships" xmlns:p="http://schemas.openxmlformats.org/presentationml/2006/main">
-  <p:tag name="NUM" val="4"/>
+  <p:tag name="NUM" val="6"/>
 </p:tagLst>
 </file>
 
 <file path=ppt/tags/tag81.xml><?xml version="1.0" encoding="utf-8"?>
 <p:tagLst xmlns:a="http://schemas.openxmlformats.org/drawingml/2006/main" xmlns:r="http://schemas.openxmlformats.org/officeDocument/2006/relationships" xmlns:p="http://schemas.openxmlformats.org/presentationml/2006/main">
-  <p:tag name="NUM" val="5"/>
+  <p:tag name="NUM" val="7"/>
 </p:tagLst>
 </file>
 
 <file path=ppt/tags/tag82.xml><?xml version="1.0" encoding="utf-8"?>
 <p:tagLst xmlns:a="http://schemas.openxmlformats.org/drawingml/2006/main" xmlns:r="http://schemas.openxmlformats.org/officeDocument/2006/relationships" xmlns:p="http://schemas.openxmlformats.org/presentationml/2006/main">
-  <p:tag name="NUM" val="6"/>
+  <p:tag name="NUM" val="1"/>
 </p:tagLst>
 </file>
 
 <file path=ppt/tags/tag83.xml><?xml version="1.0" encoding="utf-8"?>
 <p:tagLst xmlns:a="http://schemas.openxmlformats.org/drawingml/2006/main" xmlns:r="http://schemas.openxmlformats.org/officeDocument/2006/relationships" xmlns:p="http://schemas.openxmlformats.org/presentationml/2006/main">
-  <p:tag name="NUM" val="7"/>
+  <p:tag name="NUM" val="2"/>
 </p:tagLst>
 </file>
 
 <file path=ppt/tags/tag84.xml><?xml version="1.0" encoding="utf-8"?>
 <p:tagLst xmlns:a="http://schemas.openxmlformats.org/drawingml/2006/main" xmlns:r="http://schemas.openxmlformats.org/officeDocument/2006/relationships" xmlns:p="http://schemas.openxmlformats.org/presentationml/2006/main">
-  <p:tag name="NUM" val="1"/>
+  <p:tag name="NUM" val="3"/>
 </p:tagLst>
 </file>
 
 <file path=ppt/tags/tag85.xml><?xml version="1.0" encoding="utf-8"?>
 <p:tagLst xmlns:a="http://schemas.openxmlformats.org/drawingml/2006/main" xmlns:r="http://schemas.openxmlformats.org/officeDocument/2006/relationships" xmlns:p="http://schemas.openxmlformats.org/presentationml/2006/main">
-  <p:tag name="NUM" val="2"/>
+  <p:tag name="NUM" val="1"/>
 </p:tagLst>
 </file>
 
 <file path=ppt/tags/tag86.xml><?xml version="1.0" encoding="utf-8"?>
 <p:tagLst xmlns:a="http://schemas.openxmlformats.org/drawingml/2006/main" xmlns:r="http://schemas.openxmlformats.org/officeDocument/2006/relationships" xmlns:p="http://schemas.openxmlformats.org/presentationml/2006/main">
-  <p:tag name="NUM" val="3"/>
+  <p:tag name="NUM" val="2"/>
 </p:tagLst>
 </file>
 
 <file path=ppt/tags/tag87.xml><?xml version="1.0" encoding="utf-8"?>
 <p:tagLst xmlns:a="http://schemas.openxmlformats.org/drawingml/2006/main" xmlns:r="http://schemas.openxmlformats.org/officeDocument/2006/relationships" xmlns:p="http://schemas.openxmlformats.org/presentationml/2006/main">
-  <p:tag name="NUM" val="1"/>
+  <p:tag name="NUM" val="3"/>
 </p:tagLst>
 </file>
 
 <file path=ppt/tags/tag88.xml><?xml version="1.0" encoding="utf-8"?>
 <p:tagLst xmlns:a="http://schemas.openxmlformats.org/drawingml/2006/main" xmlns:r="http://schemas.openxmlformats.org/officeDocument/2006/relationships" xmlns:p="http://schemas.openxmlformats.org/presentationml/2006/main">
-  <p:tag name="NUM" val="2"/>
+  <p:tag name="NUM" val="1"/>
 </p:tagLst>
 </file>
 
@@ -12568,18 +12402,6 @@
 </file>
 
 <file path=ppt/tags/tag9.xml><?xml version="1.0" encoding="utf-8"?>
-<p:tagLst xmlns:a="http://schemas.openxmlformats.org/drawingml/2006/main" xmlns:r="http://schemas.openxmlformats.org/officeDocument/2006/relationships" xmlns:p="http://schemas.openxmlformats.org/presentationml/2006/main">
-  <p:tag name="NUM" val="3"/>
-</p:tagLst>
-</file>
-
-<file path=ppt/tags/tag90.xml><?xml version="1.0" encoding="utf-8"?>
-<p:tagLst xmlns:a="http://schemas.openxmlformats.org/drawingml/2006/main" xmlns:r="http://schemas.openxmlformats.org/officeDocument/2006/relationships" xmlns:p="http://schemas.openxmlformats.org/presentationml/2006/main">
-  <p:tag name="NUM" val="1"/>
-</p:tagLst>
-</file>
-
-<file path=ppt/tags/tag91.xml><?xml version="1.0" encoding="utf-8"?>
 <p:tagLst xmlns:a="http://schemas.openxmlformats.org/drawingml/2006/main" xmlns:r="http://schemas.openxmlformats.org/officeDocument/2006/relationships" xmlns:p="http://schemas.openxmlformats.org/presentationml/2006/main">
   <p:tag name="NUM" val="3"/>
 </p:tagLst>
